--- a/files/memorial 2.pptx
+++ b/files/memorial 2.pptx
@@ -6,20 +6,22 @@
     <p:sldMasterId id="2147483660" r:id="rId2"/>
   </p:sldMasterIdLst>
   <p:notesMasterIdLst>
-    <p:notesMasterId r:id="rId14"/>
+    <p:notesMasterId r:id="rId16"/>
   </p:notesMasterIdLst>
   <p:sldIdLst>
-    <p:sldId id="260" r:id="rId3"/>
-    <p:sldId id="257" r:id="rId4"/>
-    <p:sldId id="271" r:id="rId5"/>
-    <p:sldId id="279" r:id="rId6"/>
-    <p:sldId id="280" r:id="rId7"/>
-    <p:sldId id="258" r:id="rId8"/>
-    <p:sldId id="259" r:id="rId9"/>
-    <p:sldId id="273" r:id="rId10"/>
-    <p:sldId id="274" r:id="rId11"/>
-    <p:sldId id="277" r:id="rId12"/>
-    <p:sldId id="270" r:id="rId13"/>
+    <p:sldId id="281" r:id="rId3"/>
+    <p:sldId id="282" r:id="rId4"/>
+    <p:sldId id="260" r:id="rId5"/>
+    <p:sldId id="257" r:id="rId6"/>
+    <p:sldId id="271" r:id="rId7"/>
+    <p:sldId id="279" r:id="rId8"/>
+    <p:sldId id="280" r:id="rId9"/>
+    <p:sldId id="258" r:id="rId10"/>
+    <p:sldId id="259" r:id="rId11"/>
+    <p:sldId id="273" r:id="rId12"/>
+    <p:sldId id="274" r:id="rId13"/>
+    <p:sldId id="277" r:id="rId14"/>
+    <p:sldId id="270" r:id="rId15"/>
   </p:sldIdLst>
   <p:sldSz cx="12192000" cy="6858000"/>
   <p:notesSz cx="6858000" cy="9144000"/>
@@ -528,7 +530,7 @@
           <a:bodyPr/>
           <a:lstStyle/>
           <a:p>
-            <a:endParaRPr lang="pt-BR"/>
+            <a:endParaRPr lang="pt-BR" dirty="0"/>
           </a:p>
         </p:txBody>
       </p:sp>
@@ -549,7 +551,91 @@
           <a:p>
             <a:fld id="{C9AC9A1A-33D1-4E5F-8F4E-FDC290916BEB}" type="slidenum">
               <a:rPr lang="pt-BR" smtClean="0"/>
-              <a:t>6</a:t>
+              <a:t>4</a:t>
+            </a:fld>
+            <a:endParaRPr lang="pt-BR"/>
+          </a:p>
+        </p:txBody>
+      </p:sp>
+    </p:spTree>
+    <p:extLst>
+      <p:ext uri="{BB962C8B-B14F-4D97-AF65-F5344CB8AC3E}">
+        <p14:creationId xmlns:p14="http://schemas.microsoft.com/office/powerpoint/2010/main" val="1934740671"/>
+      </p:ext>
+    </p:extLst>
+  </p:cSld>
+  <p:clrMapOvr>
+    <a:masterClrMapping/>
+  </p:clrMapOvr>
+</p:notes>
+</file>
+
+<file path=ppt/notesSlides/notesSlide2.xml><?xml version="1.0" encoding="utf-8"?>
+<p:notes xmlns:a="http://schemas.openxmlformats.org/drawingml/2006/main" xmlns:r="http://schemas.openxmlformats.org/officeDocument/2006/relationships" xmlns:p="http://schemas.openxmlformats.org/presentationml/2006/main">
+  <p:cSld>
+    <p:spTree>
+      <p:nvGrpSpPr>
+        <p:cNvPr id="1" name=""/>
+        <p:cNvGrpSpPr/>
+        <p:nvPr/>
+      </p:nvGrpSpPr>
+      <p:grpSpPr>
+        <a:xfrm>
+          <a:off x="0" y="0"/>
+          <a:ext cx="0" cy="0"/>
+          <a:chOff x="0" y="0"/>
+          <a:chExt cx="0" cy="0"/>
+        </a:xfrm>
+      </p:grpSpPr>
+      <p:sp>
+        <p:nvSpPr>
+          <p:cNvPr id="2" name="Espaço Reservado para Imagem de Slide 1"/>
+          <p:cNvSpPr>
+            <a:spLocks noGrp="1" noRot="1" noChangeAspect="1"/>
+          </p:cNvSpPr>
+          <p:nvPr>
+            <p:ph type="sldImg"/>
+          </p:nvPr>
+        </p:nvSpPr>
+        <p:spPr/>
+      </p:sp>
+      <p:sp>
+        <p:nvSpPr>
+          <p:cNvPr id="3" name="Espaço Reservado para Anotações 2"/>
+          <p:cNvSpPr>
+            <a:spLocks noGrp="1"/>
+          </p:cNvSpPr>
+          <p:nvPr>
+            <p:ph type="body" idx="1"/>
+          </p:nvPr>
+        </p:nvSpPr>
+        <p:spPr/>
+        <p:txBody>
+          <a:bodyPr/>
+          <a:lstStyle/>
+          <a:p>
+            <a:endParaRPr lang="pt-BR"/>
+          </a:p>
+        </p:txBody>
+      </p:sp>
+      <p:sp>
+        <p:nvSpPr>
+          <p:cNvPr id="4" name="Espaço Reservado para Número de Slide 3"/>
+          <p:cNvSpPr>
+            <a:spLocks noGrp="1"/>
+          </p:cNvSpPr>
+          <p:nvPr>
+            <p:ph type="sldNum" sz="quarter" idx="5"/>
+          </p:nvPr>
+        </p:nvSpPr>
+        <p:spPr/>
+        <p:txBody>
+          <a:bodyPr/>
+          <a:lstStyle/>
+          <a:p>
+            <a:fld id="{C9AC9A1A-33D1-4E5F-8F4E-FDC290916BEB}" type="slidenum">
+              <a:rPr lang="pt-BR" smtClean="0"/>
+              <a:t>8</a:t>
             </a:fld>
             <a:endParaRPr lang="pt-BR"/>
           </a:p>
@@ -6965,14 +7051,6 @@
 <file path=ppt/slides/slide1.xml><?xml version="1.0" encoding="utf-8"?>
 <p:sld xmlns:a="http://schemas.openxmlformats.org/drawingml/2006/main" xmlns:r="http://schemas.openxmlformats.org/officeDocument/2006/relationships" xmlns:p="http://schemas.openxmlformats.org/presentationml/2006/main">
   <p:cSld>
-    <p:bg>
-      <p:bgPr>
-        <a:solidFill>
-          <a:srgbClr val="002060"/>
-        </a:solidFill>
-        <a:effectLst/>
-      </p:bgPr>
-    </p:bg>
     <p:spTree>
       <p:nvGrpSpPr>
         <p:cNvPr id="1" name=""/>
@@ -6989,10 +7067,372 @@
       </p:grpSpPr>
       <p:sp>
         <p:nvSpPr>
-          <p:cNvPr id="7" name="CaixaDeTexto 6">
-            <a:extLst>
-              <a:ext uri="{FF2B5EF4-FFF2-40B4-BE49-F238E27FC236}">
-                <a16:creationId xmlns:a16="http://schemas.microsoft.com/office/drawing/2014/main" id="{33968E8E-4F4C-CF0C-7638-3C0DE14AB2AD}"/>
+          <p:cNvPr id="4" name="Elipse 3">
+            <a:extLst>
+              <a:ext uri="{FF2B5EF4-FFF2-40B4-BE49-F238E27FC236}">
+                <a16:creationId xmlns:a16="http://schemas.microsoft.com/office/drawing/2014/main" id="{2B0285D6-1958-7E69-FEFC-A4F25B1414EE}"/>
+              </a:ext>
+            </a:extLst>
+          </p:cNvPr>
+          <p:cNvSpPr/>
+          <p:nvPr/>
+        </p:nvSpPr>
+        <p:spPr>
+          <a:xfrm>
+            <a:off x="3249168" y="1143000"/>
+            <a:ext cx="3545532" cy="3545533"/>
+          </a:xfrm>
+          <a:prstGeom prst="ellipse">
+            <a:avLst/>
+          </a:prstGeom>
+          <a:solidFill>
+            <a:schemeClr val="accent3">
+              <a:lumMod val="60000"/>
+              <a:lumOff val="40000"/>
+              <a:alpha val="20000"/>
+            </a:schemeClr>
+          </a:solidFill>
+          <a:ln>
+            <a:solidFill>
+              <a:schemeClr val="tx1"/>
+            </a:solidFill>
+          </a:ln>
+        </p:spPr>
+        <p:style>
+          <a:lnRef idx="2">
+            <a:schemeClr val="accent1">
+              <a:shade val="15000"/>
+            </a:schemeClr>
+          </a:lnRef>
+          <a:fillRef idx="1">
+            <a:schemeClr val="accent1"/>
+          </a:fillRef>
+          <a:effectRef idx="0">
+            <a:schemeClr val="accent1"/>
+          </a:effectRef>
+          <a:fontRef idx="minor">
+            <a:schemeClr val="lt1"/>
+          </a:fontRef>
+        </p:style>
+        <p:txBody>
+          <a:bodyPr rtlCol="0" anchor="ctr"/>
+          <a:lstStyle/>
+          <a:p>
+            <a:pPr algn="ctr"/>
+            <a:endParaRPr lang="pt-BR">
+              <a:solidFill>
+                <a:schemeClr val="tx1"/>
+              </a:solidFill>
+              <a:latin typeface="Source Sans Pro" panose="020B0503030403020204" pitchFamily="34" charset="0"/>
+              <a:ea typeface="Source Sans Pro" panose="020B0503030403020204" pitchFamily="34" charset="0"/>
+            </a:endParaRPr>
+          </a:p>
+        </p:txBody>
+      </p:sp>
+      <p:sp>
+        <p:nvSpPr>
+          <p:cNvPr id="5" name="Elipse 4">
+            <a:extLst>
+              <a:ext uri="{FF2B5EF4-FFF2-40B4-BE49-F238E27FC236}">
+                <a16:creationId xmlns:a16="http://schemas.microsoft.com/office/drawing/2014/main" id="{12F0E744-D0D5-F3A9-A802-1514EEDF6D24}"/>
+              </a:ext>
+            </a:extLst>
+          </p:cNvPr>
+          <p:cNvSpPr/>
+          <p:nvPr/>
+        </p:nvSpPr>
+        <p:spPr>
+          <a:xfrm>
+            <a:off x="5397300" y="1143000"/>
+            <a:ext cx="3545532" cy="3545533"/>
+          </a:xfrm>
+          <a:prstGeom prst="ellipse">
+            <a:avLst/>
+          </a:prstGeom>
+          <a:solidFill>
+            <a:schemeClr val="accent2">
+              <a:lumMod val="75000"/>
+              <a:alpha val="20000"/>
+            </a:schemeClr>
+          </a:solidFill>
+          <a:ln>
+            <a:solidFill>
+              <a:schemeClr val="tx1"/>
+            </a:solidFill>
+          </a:ln>
+        </p:spPr>
+        <p:style>
+          <a:lnRef idx="2">
+            <a:schemeClr val="accent1">
+              <a:shade val="15000"/>
+            </a:schemeClr>
+          </a:lnRef>
+          <a:fillRef idx="1">
+            <a:schemeClr val="accent1"/>
+          </a:fillRef>
+          <a:effectRef idx="0">
+            <a:schemeClr val="accent1"/>
+          </a:effectRef>
+          <a:fontRef idx="minor">
+            <a:schemeClr val="lt1"/>
+          </a:fontRef>
+        </p:style>
+        <p:txBody>
+          <a:bodyPr rtlCol="0" anchor="ctr"/>
+          <a:lstStyle/>
+          <a:p>
+            <a:pPr algn="ctr"/>
+            <a:endParaRPr lang="pt-BR">
+              <a:solidFill>
+                <a:schemeClr val="tx1"/>
+              </a:solidFill>
+              <a:latin typeface="Source Sans Pro" panose="020B0503030403020204" pitchFamily="34" charset="0"/>
+              <a:ea typeface="Source Sans Pro" panose="020B0503030403020204" pitchFamily="34" charset="0"/>
+            </a:endParaRPr>
+          </a:p>
+        </p:txBody>
+      </p:sp>
+      <p:sp>
+        <p:nvSpPr>
+          <p:cNvPr id="6" name="Elipse 5">
+            <a:extLst>
+              <a:ext uri="{FF2B5EF4-FFF2-40B4-BE49-F238E27FC236}">
+                <a16:creationId xmlns:a16="http://schemas.microsoft.com/office/drawing/2014/main" id="{13DD3F89-A611-AE8D-D787-4F6D80D36759}"/>
+              </a:ext>
+            </a:extLst>
+          </p:cNvPr>
+          <p:cNvSpPr/>
+          <p:nvPr/>
+        </p:nvSpPr>
+        <p:spPr>
+          <a:xfrm>
+            <a:off x="4323234" y="3060709"/>
+            <a:ext cx="3545532" cy="3545533"/>
+          </a:xfrm>
+          <a:prstGeom prst="ellipse">
+            <a:avLst/>
+          </a:prstGeom>
+          <a:solidFill>
+            <a:schemeClr val="accent1">
+              <a:lumMod val="60000"/>
+              <a:lumOff val="40000"/>
+              <a:alpha val="20000"/>
+            </a:schemeClr>
+          </a:solidFill>
+          <a:ln>
+            <a:solidFill>
+              <a:schemeClr val="tx1"/>
+            </a:solidFill>
+          </a:ln>
+        </p:spPr>
+        <p:style>
+          <a:lnRef idx="2">
+            <a:schemeClr val="accent1">
+              <a:shade val="15000"/>
+            </a:schemeClr>
+          </a:lnRef>
+          <a:fillRef idx="1">
+            <a:schemeClr val="accent1"/>
+          </a:fillRef>
+          <a:effectRef idx="0">
+            <a:schemeClr val="accent1"/>
+          </a:effectRef>
+          <a:fontRef idx="minor">
+            <a:schemeClr val="lt1"/>
+          </a:fontRef>
+        </p:style>
+        <p:txBody>
+          <a:bodyPr rtlCol="0" anchor="ctr"/>
+          <a:lstStyle/>
+          <a:p>
+            <a:pPr algn="ctr"/>
+            <a:endParaRPr lang="pt-BR">
+              <a:solidFill>
+                <a:schemeClr val="tx1"/>
+              </a:solidFill>
+              <a:latin typeface="Source Sans Pro" panose="020B0503030403020204" pitchFamily="34" charset="0"/>
+              <a:ea typeface="Source Sans Pro" panose="020B0503030403020204" pitchFamily="34" charset="0"/>
+            </a:endParaRPr>
+          </a:p>
+        </p:txBody>
+      </p:sp>
+      <p:sp>
+        <p:nvSpPr>
+          <p:cNvPr id="7" name="Forma Livre: Forma 6">
+            <a:extLst>
+              <a:ext uri="{FF2B5EF4-FFF2-40B4-BE49-F238E27FC236}">
+                <a16:creationId xmlns:a16="http://schemas.microsoft.com/office/drawing/2014/main" id="{3BDAB4BA-87CF-A13D-290A-6D645F1B8307}"/>
+              </a:ext>
+            </a:extLst>
+          </p:cNvPr>
+          <p:cNvSpPr/>
+          <p:nvPr/>
+        </p:nvSpPr>
+        <p:spPr>
+          <a:xfrm>
+            <a:off x="5419671" y="3060709"/>
+            <a:ext cx="1349234" cy="1263327"/>
+          </a:xfrm>
+          <a:custGeom>
+            <a:avLst/>
+            <a:gdLst>
+              <a:gd name="connsiteX0" fmla="*/ 674546 w 1349234"/>
+              <a:gd name="connsiteY0" fmla="*/ 0 h 1263327"/>
+              <a:gd name="connsiteX1" fmla="*/ 1201713 w 1349234"/>
+              <a:gd name="connsiteY1" fmla="*/ 79700 h 1263327"/>
+              <a:gd name="connsiteX2" fmla="*/ 1349234 w 1349234"/>
+              <a:gd name="connsiteY2" fmla="*/ 133694 h 1263327"/>
+              <a:gd name="connsiteX3" fmla="*/ 1337232 w 1349234"/>
+              <a:gd name="connsiteY3" fmla="*/ 212334 h 1263327"/>
+              <a:gd name="connsiteX4" fmla="*/ 728126 w 1349234"/>
+              <a:gd name="connsiteY4" fmla="*/ 1223012 h 1263327"/>
+              <a:gd name="connsiteX5" fmla="*/ 674883 w 1349234"/>
+              <a:gd name="connsiteY5" fmla="*/ 1263327 h 1263327"/>
+              <a:gd name="connsiteX6" fmla="*/ 620970 w 1349234"/>
+              <a:gd name="connsiteY6" fmla="*/ 1223012 h 1263327"/>
+              <a:gd name="connsiteX7" fmla="*/ 11864 w 1349234"/>
+              <a:gd name="connsiteY7" fmla="*/ 212333 h 1263327"/>
+              <a:gd name="connsiteX8" fmla="*/ 0 w 1349234"/>
+              <a:gd name="connsiteY8" fmla="*/ 134593 h 1263327"/>
+              <a:gd name="connsiteX9" fmla="*/ 65010 w 1349234"/>
+              <a:gd name="connsiteY9" fmla="*/ 107571 h 1263327"/>
+              <a:gd name="connsiteX10" fmla="*/ 674546 w 1349234"/>
+              <a:gd name="connsiteY10" fmla="*/ 0 h 1263327"/>
+            </a:gdLst>
+            <a:ahLst/>
+            <a:cxnLst>
+              <a:cxn ang="0">
+                <a:pos x="connsiteX0" y="connsiteY0"/>
+              </a:cxn>
+              <a:cxn ang="0">
+                <a:pos x="connsiteX1" y="connsiteY1"/>
+              </a:cxn>
+              <a:cxn ang="0">
+                <a:pos x="connsiteX2" y="connsiteY2"/>
+              </a:cxn>
+              <a:cxn ang="0">
+                <a:pos x="connsiteX3" y="connsiteY3"/>
+              </a:cxn>
+              <a:cxn ang="0">
+                <a:pos x="connsiteX4" y="connsiteY4"/>
+              </a:cxn>
+              <a:cxn ang="0">
+                <a:pos x="connsiteX5" y="connsiteY5"/>
+              </a:cxn>
+              <a:cxn ang="0">
+                <a:pos x="connsiteX6" y="connsiteY6"/>
+              </a:cxn>
+              <a:cxn ang="0">
+                <a:pos x="connsiteX7" y="connsiteY7"/>
+              </a:cxn>
+              <a:cxn ang="0">
+                <a:pos x="connsiteX8" y="connsiteY8"/>
+              </a:cxn>
+              <a:cxn ang="0">
+                <a:pos x="connsiteX9" y="connsiteY9"/>
+              </a:cxn>
+              <a:cxn ang="0">
+                <a:pos x="connsiteX10" y="connsiteY10"/>
+              </a:cxn>
+            </a:cxnLst>
+            <a:rect l="l" t="t" r="r" b="b"/>
+            <a:pathLst>
+              <a:path w="1349234" h="1263327">
+                <a:moveTo>
+                  <a:pt x="674546" y="0"/>
+                </a:moveTo>
+                <a:cubicBezTo>
+                  <a:pt x="858122" y="0"/>
+                  <a:pt x="1035181" y="27904"/>
+                  <a:pt x="1201713" y="79700"/>
+                </a:cubicBezTo>
+                <a:lnTo>
+                  <a:pt x="1349234" y="133694"/>
+                </a:lnTo>
+                <a:lnTo>
+                  <a:pt x="1337232" y="212334"/>
+                </a:lnTo>
+                <a:cubicBezTo>
+                  <a:pt x="1254580" y="616244"/>
+                  <a:pt x="1034565" y="970117"/>
+                  <a:pt x="728126" y="1223012"/>
+                </a:cubicBezTo>
+                <a:lnTo>
+                  <a:pt x="674883" y="1263327"/>
+                </a:lnTo>
+                <a:lnTo>
+                  <a:pt x="620970" y="1223012"/>
+                </a:lnTo>
+                <a:cubicBezTo>
+                  <a:pt x="314532" y="970117"/>
+                  <a:pt x="94516" y="616243"/>
+                  <a:pt x="11864" y="212333"/>
+                </a:cubicBezTo>
+                <a:lnTo>
+                  <a:pt x="0" y="134593"/>
+                </a:lnTo>
+                <a:lnTo>
+                  <a:pt x="65010" y="107571"/>
+                </a:lnTo>
+                <a:cubicBezTo>
+                  <a:pt x="255073" y="37980"/>
+                  <a:pt x="460374" y="0"/>
+                  <a:pt x="674546" y="0"/>
+                </a:cubicBezTo>
+                <a:close/>
+              </a:path>
+            </a:pathLst>
+          </a:custGeom>
+          <a:solidFill>
+            <a:srgbClr val="FFA500">
+              <a:alpha val="50196"/>
+            </a:srgbClr>
+          </a:solidFill>
+          <a:ln>
+            <a:solidFill>
+              <a:schemeClr val="tx1"/>
+            </a:solidFill>
+          </a:ln>
+        </p:spPr>
+        <p:style>
+          <a:lnRef idx="2">
+            <a:schemeClr val="accent1">
+              <a:shade val="15000"/>
+            </a:schemeClr>
+          </a:lnRef>
+          <a:fillRef idx="1">
+            <a:schemeClr val="accent1"/>
+          </a:fillRef>
+          <a:effectRef idx="0">
+            <a:schemeClr val="accent1"/>
+          </a:effectRef>
+          <a:fontRef idx="minor">
+            <a:schemeClr val="lt1"/>
+          </a:fontRef>
+        </p:style>
+        <p:txBody>
+          <a:bodyPr wrap="square" rtlCol="0" anchor="ctr">
+            <a:noAutofit/>
+          </a:bodyPr>
+          <a:lstStyle/>
+          <a:p>
+            <a:pPr algn="ctr"/>
+            <a:endParaRPr lang="pt-BR">
+              <a:solidFill>
+                <a:schemeClr val="tx1"/>
+              </a:solidFill>
+              <a:latin typeface="Source Sans Pro" panose="020B0503030403020204" pitchFamily="34" charset="0"/>
+              <a:ea typeface="Source Sans Pro" panose="020B0503030403020204" pitchFamily="34" charset="0"/>
+            </a:endParaRPr>
+          </a:p>
+        </p:txBody>
+      </p:sp>
+      <p:sp>
+        <p:nvSpPr>
+          <p:cNvPr id="8" name="CaixaDeTexto 7">
+            <a:extLst>
+              <a:ext uri="{FF2B5EF4-FFF2-40B4-BE49-F238E27FC236}">
+                <a16:creationId xmlns:a16="http://schemas.microsoft.com/office/drawing/2014/main" id="{05E46B34-B871-0FC7-D9F9-0C999638A53C}"/>
               </a:ext>
             </a:extLst>
           </p:cNvPr>
@@ -7001,8 +7441,8 @@
         </p:nvSpPr>
         <p:spPr>
           <a:xfrm>
-            <a:off x="531837" y="2644878"/>
-            <a:ext cx="5823243" cy="1107996"/>
+            <a:off x="7063906" y="2289872"/>
+            <a:ext cx="1391728" cy="369332"/>
           </a:xfrm>
           <a:prstGeom prst="rect">
             <a:avLst/>
@@ -7010,52 +7450,27 @@
           <a:noFill/>
         </p:spPr>
         <p:txBody>
-          <a:bodyPr wrap="square" lIns="91440" tIns="45720" rIns="91440" bIns="45720" rtlCol="0" anchor="ctr">
+          <a:bodyPr wrap="none" rtlCol="0">
             <a:spAutoFit/>
           </a:bodyPr>
           <a:lstStyle/>
           <a:p>
-            <a:pPr marL="0" marR="0" lvl="0" indent="0" algn="l" defTabSz="914400" rtl="0" eaLnBrk="1" fontAlgn="auto" latinLnBrk="0" hangingPunct="1">
-              <a:lnSpc>
-                <a:spcPct val="100000"/>
-              </a:lnSpc>
-              <a:spcBef>
-                <a:spcPts val="0"/>
-              </a:spcBef>
-              <a:spcAft>
-                <a:spcPts val="0"/>
-              </a:spcAft>
-              <a:buClrTx/>
-              <a:buSzTx/>
-              <a:buFontTx/>
-              <a:buNone/>
-              <a:tabLst/>
-              <a:defRPr/>
-            </a:pPr>
-            <a:r>
-              <a:rPr kumimoji="0" lang="pt-BR" sz="6600" b="1" i="0" u="none" strike="noStrike" kern="1200" cap="none" spc="0" normalizeH="0" baseline="0" noProof="0">
-                <a:ln>
-                  <a:noFill/>
-                </a:ln>
-                <a:solidFill>
-                  <a:prstClr val="white"/>
-                </a:solidFill>
-                <a:effectLst/>
-                <a:uLnTx/>
-                <a:uFillTx/>
-                <a:latin typeface="Century Gothic"/>
-              </a:rPr>
-              <a:t>Memorial</a:t>
-            </a:r>
-          </a:p>
-        </p:txBody>
-      </p:sp>
-      <p:sp>
-        <p:nvSpPr>
-          <p:cNvPr id="4" name="CaixaDeTexto 3">
-            <a:extLst>
-              <a:ext uri="{FF2B5EF4-FFF2-40B4-BE49-F238E27FC236}">
-                <a16:creationId xmlns:a16="http://schemas.microsoft.com/office/drawing/2014/main" id="{8687E42A-5DC6-C8D6-86C5-C269C018A27C}"/>
+            <a:r>
+              <a:rPr lang="pt-BR" b="1">
+                <a:latin typeface="Source Sans Pro" panose="020B0503030403020204" pitchFamily="34" charset="0"/>
+                <a:ea typeface="Source Sans Pro" panose="020B0503030403020204" pitchFamily="34" charset="0"/>
+              </a:rPr>
+              <a:t>Matemática</a:t>
+            </a:r>
+          </a:p>
+        </p:txBody>
+      </p:sp>
+      <p:sp>
+        <p:nvSpPr>
+          <p:cNvPr id="9" name="CaixaDeTexto 8">
+            <a:extLst>
+              <a:ext uri="{FF2B5EF4-FFF2-40B4-BE49-F238E27FC236}">
+                <a16:creationId xmlns:a16="http://schemas.microsoft.com/office/drawing/2014/main" id="{76BBDAF8-6C92-4FBD-BF9C-6196ED8BD61B}"/>
               </a:ext>
             </a:extLst>
           </p:cNvPr>
@@ -7064,8 +7479,8 @@
         </p:nvSpPr>
         <p:spPr>
           <a:xfrm>
-            <a:off x="531836" y="3893089"/>
-            <a:ext cx="8182395" cy="830997"/>
+            <a:off x="5252660" y="5327380"/>
+            <a:ext cx="1476686" cy="369332"/>
           </a:xfrm>
           <a:prstGeom prst="rect">
             <a:avLst/>
@@ -7073,54 +7488,155 @@
           <a:noFill/>
         </p:spPr>
         <p:txBody>
-          <a:bodyPr wrap="square" rtlCol="0" anchor="ctr">
+          <a:bodyPr wrap="none" rtlCol="0">
             <a:spAutoFit/>
           </a:bodyPr>
           <a:lstStyle/>
           <a:p>
-            <a:pPr marL="0" marR="0" lvl="0" indent="0" algn="l" defTabSz="914400" rtl="0" eaLnBrk="1" fontAlgn="auto" latinLnBrk="0" hangingPunct="1">
-              <a:lnSpc>
-                <a:spcPct val="80000"/>
-              </a:lnSpc>
-              <a:spcBef>
-                <a:spcPts val="0"/>
-              </a:spcBef>
-              <a:spcAft>
-                <a:spcPts val="0"/>
-              </a:spcAft>
-              <a:buClrTx/>
-              <a:buSzTx/>
-              <a:buFontTx/>
-              <a:buNone/>
-              <a:tabLst/>
-              <a:defRPr/>
-            </a:pPr>
-            <a:r>
-              <a:rPr kumimoji="0" lang="pt-BR" sz="6000" b="0" i="0" u="none" strike="noStrike" kern="1200" cap="none" spc="0" normalizeH="0" baseline="0" noProof="0">
-                <a:ln>
-                  <a:noFill/>
-                </a:ln>
-                <a:solidFill>
-                  <a:prstClr val="white"/>
-                </a:solidFill>
-                <a:effectLst/>
-                <a:uLnTx/>
-                <a:uFillTx/>
-                <a:latin typeface="Century Gothic" panose="020B0502020202020204" pitchFamily="34" charset="0"/>
-                <a:ea typeface="+mn-ea"/>
-                <a:cs typeface="+mn-cs"/>
-              </a:rPr>
-              <a:t>Magno Severino</a:t>
-            </a:r>
-          </a:p>
-        </p:txBody>
-      </p:sp>
+            <a:r>
+              <a:rPr lang="pt-BR" b="1">
+                <a:latin typeface="Source Sans Pro" panose="020B0503030403020204" pitchFamily="34" charset="0"/>
+                <a:ea typeface="Source Sans Pro" panose="020B0503030403020204" pitchFamily="34" charset="0"/>
+              </a:rPr>
+              <a:t>Computação</a:t>
+            </a:r>
+          </a:p>
+        </p:txBody>
+      </p:sp>
+      <p:sp>
+        <p:nvSpPr>
+          <p:cNvPr id="10" name="CaixaDeTexto 9">
+            <a:extLst>
+              <a:ext uri="{FF2B5EF4-FFF2-40B4-BE49-F238E27FC236}">
+                <a16:creationId xmlns:a16="http://schemas.microsoft.com/office/drawing/2014/main" id="{1CE6D463-F4DF-4BE9-853C-3D810606658E}"/>
+              </a:ext>
+            </a:extLst>
+          </p:cNvPr>
+          <p:cNvSpPr txBox="1"/>
+          <p:nvPr/>
+        </p:nvSpPr>
+        <p:spPr>
+          <a:xfrm>
+            <a:off x="3738891" y="2338825"/>
+            <a:ext cx="1297599" cy="369332"/>
+          </a:xfrm>
+          <a:prstGeom prst="rect">
+            <a:avLst/>
+          </a:prstGeom>
+          <a:noFill/>
+        </p:spPr>
+        <p:txBody>
+          <a:bodyPr wrap="none" rtlCol="0">
+            <a:spAutoFit/>
+          </a:bodyPr>
+          <a:lstStyle/>
+          <a:p>
+            <a:r>
+              <a:rPr lang="pt-BR" b="1" dirty="0">
+                <a:latin typeface="Source Sans Pro" panose="020B0503030403020204" pitchFamily="34" charset="0"/>
+                <a:ea typeface="Source Sans Pro" panose="020B0503030403020204" pitchFamily="34" charset="0"/>
+              </a:rPr>
+              <a:t>Estatística</a:t>
+            </a:r>
+          </a:p>
+        </p:txBody>
+      </p:sp>
+      <p:pic>
+        <p:nvPicPr>
+          <p:cNvPr id="11" name="Imagem 10">
+            <a:extLst>
+              <a:ext uri="{FF2B5EF4-FFF2-40B4-BE49-F238E27FC236}">
+                <a16:creationId xmlns:a16="http://schemas.microsoft.com/office/drawing/2014/main" id="{CD114B05-BEE9-A066-A265-EA8AC9715673}"/>
+              </a:ext>
+            </a:extLst>
+          </p:cNvPr>
+          <p:cNvPicPr>
+            <a:picLocks noChangeAspect="1"/>
+          </p:cNvPicPr>
+          <p:nvPr/>
+        </p:nvPicPr>
+        <p:blipFill>
+          <a:blip r:embed="rId2"/>
+          <a:stretch>
+            <a:fillRect/>
+          </a:stretch>
+        </p:blipFill>
+        <p:spPr>
+          <a:xfrm>
+            <a:off x="7586732" y="2700212"/>
+            <a:ext cx="475488" cy="475488"/>
+          </a:xfrm>
+          <a:prstGeom prst="rect">
+            <a:avLst/>
+          </a:prstGeom>
+        </p:spPr>
+      </p:pic>
+      <p:pic>
+        <p:nvPicPr>
+          <p:cNvPr id="12" name="Imagem 11">
+            <a:extLst>
+              <a:ext uri="{FF2B5EF4-FFF2-40B4-BE49-F238E27FC236}">
+                <a16:creationId xmlns:a16="http://schemas.microsoft.com/office/drawing/2014/main" id="{E7248329-C5ED-54D8-9628-E19EDC9A7161}"/>
+              </a:ext>
+            </a:extLst>
+          </p:cNvPr>
+          <p:cNvPicPr>
+            <a:picLocks noChangeAspect="1"/>
+          </p:cNvPicPr>
+          <p:nvPr/>
+        </p:nvPicPr>
+        <p:blipFill>
+          <a:blip r:embed="rId3"/>
+          <a:stretch>
+            <a:fillRect/>
+          </a:stretch>
+        </p:blipFill>
+        <p:spPr>
+          <a:xfrm>
+            <a:off x="5806440" y="5715000"/>
+            <a:ext cx="579120" cy="579120"/>
+          </a:xfrm>
+          <a:prstGeom prst="rect">
+            <a:avLst/>
+          </a:prstGeom>
+        </p:spPr>
+      </p:pic>
+      <p:pic>
+        <p:nvPicPr>
+          <p:cNvPr id="13" name="Imagem 12">
+            <a:extLst>
+              <a:ext uri="{FF2B5EF4-FFF2-40B4-BE49-F238E27FC236}">
+                <a16:creationId xmlns:a16="http://schemas.microsoft.com/office/drawing/2014/main" id="{8882EECE-22A7-E3FF-F13C-CD4D36C7D0A6}"/>
+              </a:ext>
+            </a:extLst>
+          </p:cNvPr>
+          <p:cNvPicPr>
+            <a:picLocks noChangeAspect="1"/>
+          </p:cNvPicPr>
+          <p:nvPr/>
+        </p:nvPicPr>
+        <p:blipFill>
+          <a:blip r:embed="rId4"/>
+          <a:stretch>
+            <a:fillRect/>
+          </a:stretch>
+        </p:blipFill>
+        <p:spPr>
+          <a:xfrm>
+            <a:off x="4098130" y="2722497"/>
+            <a:ext cx="579120" cy="579120"/>
+          </a:xfrm>
+          <a:prstGeom prst="rect">
+            <a:avLst/>
+          </a:prstGeom>
+        </p:spPr>
+      </p:pic>
       <p:cxnSp>
         <p:nvCxnSpPr>
-          <p:cNvPr id="5" name="Conector Reto 73">
-            <a:extLst>
-              <a:ext uri="{FF2B5EF4-FFF2-40B4-BE49-F238E27FC236}">
-                <a16:creationId xmlns:a16="http://schemas.microsoft.com/office/drawing/2014/main" id="{A227B381-C8C2-0B13-BE33-F3F735EEF525}"/>
+          <p:cNvPr id="14" name="Conector Reto 77">
+            <a:extLst>
+              <a:ext uri="{FF2B5EF4-FFF2-40B4-BE49-F238E27FC236}">
+                <a16:creationId xmlns:a16="http://schemas.microsoft.com/office/drawing/2014/main" id="{21DFC9A8-542C-C774-C04A-D9A552546E83}"/>
               </a:ext>
             </a:extLst>
           </p:cNvPr>
@@ -7131,8 +7647,8 @@
         </p:nvCxnSpPr>
         <p:spPr>
           <a:xfrm>
-            <a:off x="-37525" y="2707971"/>
-            <a:ext cx="4527229" cy="0"/>
+            <a:off x="499972" y="839100"/>
+            <a:ext cx="6705500" cy="0"/>
           </a:xfrm>
           <a:prstGeom prst="line">
             <a:avLst/>
@@ -7158,12 +7674,198 @@
           </a:fontRef>
         </p:style>
       </p:cxnSp>
+      <p:grpSp>
+        <p:nvGrpSpPr>
+          <p:cNvPr id="19" name="Agrupar 18">
+            <a:extLst>
+              <a:ext uri="{FF2B5EF4-FFF2-40B4-BE49-F238E27FC236}">
+                <a16:creationId xmlns:a16="http://schemas.microsoft.com/office/drawing/2014/main" id="{DF7DE193-9ABD-BE62-9F74-257FCCE2CEF6}"/>
+              </a:ext>
+            </a:extLst>
+          </p:cNvPr>
+          <p:cNvGrpSpPr/>
+          <p:nvPr/>
+        </p:nvGrpSpPr>
+        <p:grpSpPr>
+          <a:xfrm>
+            <a:off x="5727535" y="3060709"/>
+            <a:ext cx="733506" cy="1207182"/>
+            <a:chOff x="1713912" y="3684467"/>
+            <a:chExt cx="733506" cy="1207182"/>
+          </a:xfrm>
+        </p:grpSpPr>
+        <p:pic>
+          <p:nvPicPr>
+            <p:cNvPr id="18" name="Imagem 17">
+              <a:extLst>
+                <a:ext uri="{FF2B5EF4-FFF2-40B4-BE49-F238E27FC236}">
+                  <a16:creationId xmlns:a16="http://schemas.microsoft.com/office/drawing/2014/main" id="{1B069EBD-C8B7-BAB3-2BD2-9589369F311D}"/>
+                </a:ext>
+              </a:extLst>
+            </p:cNvPr>
+            <p:cNvPicPr>
+              <a:picLocks noChangeAspect="1"/>
+            </p:cNvPicPr>
+            <p:nvPr/>
+          </p:nvPicPr>
+          <p:blipFill>
+            <a:blip r:embed="rId5"/>
+            <a:stretch>
+              <a:fillRect/>
+            </a:stretch>
+          </p:blipFill>
+          <p:spPr>
+            <a:xfrm>
+              <a:off x="1713912" y="4158143"/>
+              <a:ext cx="733506" cy="733506"/>
+            </a:xfrm>
+            <a:prstGeom prst="rect">
+              <a:avLst/>
+            </a:prstGeom>
+          </p:spPr>
+        </p:pic>
+        <p:pic>
+          <p:nvPicPr>
+            <p:cNvPr id="16" name="Imagem 15">
+              <a:extLst>
+                <a:ext uri="{FF2B5EF4-FFF2-40B4-BE49-F238E27FC236}">
+                  <a16:creationId xmlns:a16="http://schemas.microsoft.com/office/drawing/2014/main" id="{338F16D0-8CB4-9425-1296-E8A039BC7AF5}"/>
+                </a:ext>
+              </a:extLst>
+            </p:cNvPr>
+            <p:cNvPicPr>
+              <a:picLocks noChangeAspect="1"/>
+            </p:cNvPicPr>
+            <p:nvPr/>
+          </p:nvPicPr>
+          <p:blipFill>
+            <a:blip r:embed="rId6">
+              <a:extLst>
+                <a:ext uri="{BEBA8EAE-BF5A-486C-A8C5-ECC9F3942E4B}">
+                  <a14:imgProps xmlns:a14="http://schemas.microsoft.com/office/drawing/2010/main">
+                    <a14:imgLayer r:embed="rId7">
+                      <a14:imgEffect>
+                        <a14:backgroundRemoval t="10000" b="90000" l="10000" r="90000"/>
+                      </a14:imgEffect>
+                    </a14:imgLayer>
+                  </a14:imgProps>
+                </a:ext>
+              </a:extLst>
+            </a:blip>
+            <a:srcRect l="15013" t="15485" r="21320" b="14636"/>
+            <a:stretch>
+              <a:fillRect/>
+            </a:stretch>
+          </p:blipFill>
+          <p:spPr>
+            <a:xfrm>
+              <a:off x="1809137" y="3684467"/>
+              <a:ext cx="508716" cy="639569"/>
+            </a:xfrm>
+            <a:prstGeom prst="rect">
+              <a:avLst/>
+            </a:prstGeom>
+          </p:spPr>
+        </p:pic>
+      </p:grpSp>
+    </p:spTree>
+    <p:extLst>
+      <p:ext uri="{BB962C8B-B14F-4D97-AF65-F5344CB8AC3E}">
+        <p14:creationId xmlns:p14="http://schemas.microsoft.com/office/powerpoint/2010/main" val="644298449"/>
+      </p:ext>
+    </p:extLst>
+  </p:cSld>
+  <p:clrMapOvr>
+    <a:masterClrMapping/>
+  </p:clrMapOvr>
+</p:sld>
+</file>
+
+<file path=ppt/slides/slide10.xml><?xml version="1.0" encoding="utf-8"?>
+<p:sld xmlns:a="http://schemas.openxmlformats.org/drawingml/2006/main" xmlns:r="http://schemas.openxmlformats.org/officeDocument/2006/relationships" xmlns:p="http://schemas.openxmlformats.org/presentationml/2006/main">
+  <p:cSld>
+    <p:bg>
+      <p:bgPr>
+        <a:gradFill>
+          <a:gsLst>
+            <a:gs pos="0">
+              <a:srgbClr val="003CB4"/>
+            </a:gs>
+            <a:gs pos="92000">
+              <a:srgbClr val="00297A"/>
+            </a:gs>
+          </a:gsLst>
+          <a:lin ang="0" scaled="0"/>
+        </a:gradFill>
+        <a:effectLst/>
+      </p:bgPr>
+    </p:bg>
+    <p:spTree>
+      <p:nvGrpSpPr>
+        <p:cNvPr id="1" name="">
+          <a:extLst>
+            <a:ext uri="{FF2B5EF4-FFF2-40B4-BE49-F238E27FC236}">
+              <a16:creationId xmlns:a16="http://schemas.microsoft.com/office/drawing/2014/main" id="{DE653E18-F215-9AE6-FC3F-C905B3CF1493}"/>
+            </a:ext>
+          </a:extLst>
+        </p:cNvPr>
+        <p:cNvGrpSpPr/>
+        <p:nvPr/>
+      </p:nvGrpSpPr>
+      <p:grpSpPr>
+        <a:xfrm>
+          <a:off x="0" y="0"/>
+          <a:ext cx="0" cy="0"/>
+          <a:chOff x="0" y="0"/>
+          <a:chExt cx="0" cy="0"/>
+        </a:xfrm>
+      </p:grpSpPr>
+      <p:sp>
+        <p:nvSpPr>
+          <p:cNvPr id="2" name="CaixaDeTexto 1">
+            <a:extLst>
+              <a:ext uri="{FF2B5EF4-FFF2-40B4-BE49-F238E27FC236}">
+                <a16:creationId xmlns:a16="http://schemas.microsoft.com/office/drawing/2014/main" id="{5EFB281E-C9C0-9931-7168-FD06C86F8F32}"/>
+              </a:ext>
+            </a:extLst>
+          </p:cNvPr>
+          <p:cNvSpPr txBox="1"/>
+          <p:nvPr/>
+        </p:nvSpPr>
+        <p:spPr>
+          <a:xfrm>
+            <a:off x="424543" y="225333"/>
+            <a:ext cx="7311281" cy="477054"/>
+          </a:xfrm>
+          <a:prstGeom prst="rect">
+            <a:avLst/>
+          </a:prstGeom>
+          <a:noFill/>
+        </p:spPr>
+        <p:txBody>
+          <a:bodyPr wrap="square" rtlCol="0">
+            <a:spAutoFit/>
+          </a:bodyPr>
+          <a:lstStyle/>
+          <a:p>
+            <a:r>
+              <a:rPr lang="pt-BR" sz="2500" b="1">
+                <a:solidFill>
+                  <a:schemeClr val="bg1"/>
+                </a:solidFill>
+                <a:latin typeface="Century Gothic" panose="020B0502020202020204" pitchFamily="34" charset="0"/>
+              </a:rPr>
+              <a:t>Experiências no mercado de trabalho</a:t>
+            </a:r>
+          </a:p>
+        </p:txBody>
+      </p:sp>
       <p:cxnSp>
         <p:nvCxnSpPr>
-          <p:cNvPr id="6" name="Conector Reto 77">
-            <a:extLst>
-              <a:ext uri="{FF2B5EF4-FFF2-40B4-BE49-F238E27FC236}">
-                <a16:creationId xmlns:a16="http://schemas.microsoft.com/office/drawing/2014/main" id="{91206AC3-2761-6445-9F3F-FC7C9D5483B6}"/>
+          <p:cNvPr id="3" name="Conector Reto 77">
+            <a:extLst>
+              <a:ext uri="{FF2B5EF4-FFF2-40B4-BE49-F238E27FC236}">
+                <a16:creationId xmlns:a16="http://schemas.microsoft.com/office/drawing/2014/main" id="{A5EB487F-A331-C4BB-3979-C6BDC5B8DF62}"/>
               </a:ext>
             </a:extLst>
           </p:cNvPr>
@@ -7174,8 +7876,8 @@
         </p:nvCxnSpPr>
         <p:spPr>
           <a:xfrm>
-            <a:off x="575" y="3744687"/>
-            <a:ext cx="4489129" cy="0"/>
+            <a:off x="499972" y="656220"/>
+            <a:ext cx="5946548" cy="0"/>
           </a:xfrm>
           <a:prstGeom prst="line">
             <a:avLst/>
@@ -7201,20 +7903,865 @@
           </a:fontRef>
         </p:style>
       </p:cxnSp>
+      <p:sp>
+        <p:nvSpPr>
+          <p:cNvPr id="5" name="CaixaDeTexto 4">
+            <a:extLst>
+              <a:ext uri="{FF2B5EF4-FFF2-40B4-BE49-F238E27FC236}">
+                <a16:creationId xmlns:a16="http://schemas.microsoft.com/office/drawing/2014/main" id="{C3420B97-229A-B6FE-74BE-88DFF061E4F7}"/>
+              </a:ext>
+            </a:extLst>
+          </p:cNvPr>
+          <p:cNvSpPr txBox="1"/>
+          <p:nvPr/>
+        </p:nvSpPr>
+        <p:spPr>
+          <a:xfrm>
+            <a:off x="499972" y="1042416"/>
+            <a:ext cx="10856876" cy="4785926"/>
+          </a:xfrm>
+          <a:prstGeom prst="rect">
+            <a:avLst/>
+          </a:prstGeom>
+          <a:noFill/>
+        </p:spPr>
+        <p:txBody>
+          <a:bodyPr wrap="square" lIns="91440" tIns="45720" rIns="91440" bIns="45720" rtlCol="0" anchor="t">
+            <a:spAutoFit/>
+          </a:bodyPr>
+          <a:lstStyle/>
+          <a:p>
+            <a:pPr algn="just">
+              <a:spcAft>
+                <a:spcPts val="600"/>
+              </a:spcAft>
+            </a:pPr>
+            <a:r>
+              <a:rPr lang="pt-BR" sz="2000" b="1">
+                <a:solidFill>
+                  <a:schemeClr val="bg1"/>
+                </a:solidFill>
+              </a:rPr>
+              <a:t>Pernambucanas Financeira SA </a:t>
+            </a:r>
+            <a:r>
+              <a:rPr lang="pt-BR" sz="2000">
+                <a:solidFill>
+                  <a:schemeClr val="bg1"/>
+                </a:solidFill>
+              </a:rPr>
+              <a:t>(Mai/2024 – atual)</a:t>
+            </a:r>
+          </a:p>
+          <a:p>
+            <a:pPr marL="285750" indent="-285750" algn="just">
+              <a:spcAft>
+                <a:spcPts val="600"/>
+              </a:spcAft>
+              <a:buFont typeface="Arial" panose="020B0604020202020204" pitchFamily="34" charset="0"/>
+              <a:buChar char="•"/>
+            </a:pPr>
+            <a:r>
+              <a:rPr lang="pt-BR" sz="1600">
+                <a:solidFill>
+                  <a:schemeClr val="bg1"/>
+                </a:solidFill>
+              </a:rPr>
+              <a:t>Analista de Modelagem Estatística</a:t>
+            </a:r>
+          </a:p>
+          <a:p>
+            <a:pPr marL="285750" indent="-285750" algn="just">
+              <a:spcAft>
+                <a:spcPts val="600"/>
+              </a:spcAft>
+              <a:buFont typeface="Arial" panose="020B0604020202020204" pitchFamily="34" charset="0"/>
+              <a:buChar char="•"/>
+            </a:pPr>
+            <a:r>
+              <a:rPr lang="pt-BR" sz="1600">
+                <a:solidFill>
+                  <a:schemeClr val="bg1"/>
+                </a:solidFill>
+              </a:rPr>
+              <a:t>Desenvolvimento de soluções de aprendizagem estatística para aplicações estratégicas no mercado de crédito, como</a:t>
+            </a:r>
+          </a:p>
+          <a:p>
+            <a:pPr marL="742950" lvl="1" indent="-285750" algn="just">
+              <a:spcAft>
+                <a:spcPts val="600"/>
+              </a:spcAft>
+              <a:buFont typeface="Arial" panose="020B0604020202020204" pitchFamily="34" charset="0"/>
+              <a:buChar char="•"/>
+            </a:pPr>
+            <a:r>
+              <a:rPr lang="pt-BR" sz="1600">
+                <a:solidFill>
+                  <a:schemeClr val="bg1"/>
+                </a:solidFill>
+              </a:rPr>
+              <a:t>Prevenção à fraude</a:t>
+            </a:r>
+          </a:p>
+          <a:p>
+            <a:pPr marL="742950" lvl="1" indent="-285750" algn="just">
+              <a:spcAft>
+                <a:spcPts val="600"/>
+              </a:spcAft>
+              <a:buFont typeface="Arial" panose="020B0604020202020204" pitchFamily="34" charset="0"/>
+              <a:buChar char="•"/>
+            </a:pPr>
+            <a:r>
+              <a:rPr lang="pt-BR" sz="1600">
+                <a:solidFill>
+                  <a:schemeClr val="bg1"/>
+                </a:solidFill>
+              </a:rPr>
+              <a:t>Oferta de crédito</a:t>
+            </a:r>
+          </a:p>
+          <a:p>
+            <a:pPr marL="742950" lvl="1" indent="-285750" algn="just">
+              <a:spcAft>
+                <a:spcPts val="600"/>
+              </a:spcAft>
+              <a:buFont typeface="Arial" panose="020B0604020202020204" pitchFamily="34" charset="0"/>
+              <a:buChar char="•"/>
+            </a:pPr>
+            <a:endParaRPr lang="pt-BR" sz="1000">
+              <a:solidFill>
+                <a:schemeClr val="bg1"/>
+              </a:solidFill>
+            </a:endParaRPr>
+          </a:p>
+          <a:p>
+            <a:pPr algn="just">
+              <a:spcAft>
+                <a:spcPts val="600"/>
+              </a:spcAft>
+            </a:pPr>
+            <a:r>
+              <a:rPr lang="pt-BR" sz="2000" b="1">
+                <a:solidFill>
+                  <a:schemeClr val="bg1"/>
+                </a:solidFill>
+              </a:rPr>
+              <a:t>Insper Instituição de Ensino (</a:t>
+            </a:r>
+            <a:r>
+              <a:rPr lang="pt-BR" sz="2000">
+                <a:solidFill>
+                  <a:schemeClr val="bg1"/>
+                </a:solidFill>
+              </a:rPr>
+              <a:t>Mar/2021 – atual)</a:t>
+            </a:r>
+          </a:p>
+          <a:p>
+            <a:pPr marL="285750" indent="-285750" algn="just">
+              <a:spcAft>
+                <a:spcPts val="600"/>
+              </a:spcAft>
+              <a:buFont typeface="Arial" panose="020B0604020202020204" pitchFamily="34" charset="0"/>
+              <a:buChar char="•"/>
+            </a:pPr>
+            <a:r>
+              <a:rPr lang="pt-BR" sz="1600">
+                <a:solidFill>
+                  <a:schemeClr val="bg1"/>
+                </a:solidFill>
+              </a:rPr>
+              <a:t>Professor de Pós-Graduação </a:t>
+            </a:r>
+            <a:r>
+              <a:rPr lang="pt-BR" sz="1600" i="1">
+                <a:solidFill>
+                  <a:schemeClr val="bg1"/>
+                </a:solidFill>
+              </a:rPr>
+              <a:t>lato sensu: </a:t>
+            </a:r>
+            <a:r>
+              <a:rPr lang="pt-BR" sz="1600">
+                <a:solidFill>
+                  <a:schemeClr val="bg1"/>
+                </a:solidFill>
+              </a:rPr>
+              <a:t>Programa Avançado de Data Science e Decisão </a:t>
+            </a:r>
+          </a:p>
+          <a:p>
+            <a:pPr marL="285750" indent="-285750" algn="just">
+              <a:spcAft>
+                <a:spcPts val="600"/>
+              </a:spcAft>
+              <a:buFont typeface="Arial" panose="020B0604020202020204" pitchFamily="34" charset="0"/>
+              <a:buChar char="•"/>
+            </a:pPr>
+            <a:r>
+              <a:rPr lang="pt-BR" sz="1600" b="1">
+                <a:solidFill>
+                  <a:schemeClr val="bg1"/>
+                </a:solidFill>
+              </a:rPr>
+              <a:t>Disciplinas</a:t>
+            </a:r>
+            <a:r>
+              <a:rPr lang="pt-BR" sz="1600">
+                <a:solidFill>
+                  <a:schemeClr val="bg1"/>
+                </a:solidFill>
+              </a:rPr>
+              <a:t>: Aprendizado Estatístico Supervisionado; Aprendizado Estatístico Não-Supervisionado; Visualização de Dados; Transformando Negócios com Dados</a:t>
+            </a:r>
+          </a:p>
+          <a:p>
+            <a:pPr algn="just">
+              <a:spcAft>
+                <a:spcPts val="600"/>
+              </a:spcAft>
+            </a:pPr>
+            <a:endParaRPr lang="pt-BR" sz="1000">
+              <a:solidFill>
+                <a:schemeClr val="bg1"/>
+              </a:solidFill>
+            </a:endParaRPr>
+          </a:p>
+          <a:p>
+            <a:pPr algn="just">
+              <a:spcAft>
+                <a:spcPts val="600"/>
+              </a:spcAft>
+            </a:pPr>
+            <a:r>
+              <a:rPr lang="pt-BR" sz="2000" b="1">
+                <a:solidFill>
+                  <a:schemeClr val="bg1"/>
+                </a:solidFill>
+              </a:rPr>
+              <a:t>Banco BTG Pactual </a:t>
+            </a:r>
+            <a:r>
+              <a:rPr lang="pt-BR" sz="2000">
+                <a:solidFill>
+                  <a:schemeClr val="bg1"/>
+                </a:solidFill>
+              </a:rPr>
+              <a:t>(</a:t>
+            </a:r>
+            <a:r>
+              <a:rPr lang="pt-BR" sz="2000" err="1">
+                <a:solidFill>
+                  <a:schemeClr val="bg1"/>
+                </a:solidFill>
+              </a:rPr>
+              <a:t>Jun</a:t>
+            </a:r>
+            <a:r>
+              <a:rPr lang="pt-BR" sz="2000">
+                <a:solidFill>
+                  <a:schemeClr val="bg1"/>
+                </a:solidFill>
+              </a:rPr>
+              <a:t>/2022 – Mar/2024)</a:t>
+            </a:r>
+          </a:p>
+          <a:p>
+            <a:pPr marL="285750" indent="-285750" algn="just">
+              <a:spcAft>
+                <a:spcPts val="600"/>
+              </a:spcAft>
+              <a:buFont typeface="Arial" panose="020B0604020202020204" pitchFamily="34" charset="0"/>
+              <a:buChar char="•"/>
+            </a:pPr>
+            <a:r>
+              <a:rPr lang="pt-BR" sz="1600">
+                <a:solidFill>
+                  <a:schemeClr val="bg1"/>
+                </a:solidFill>
+              </a:rPr>
+              <a:t>Especialista de Tecnologia da Informação</a:t>
+            </a:r>
+          </a:p>
+          <a:p>
+            <a:pPr marL="285750" indent="-285750" algn="just">
+              <a:spcAft>
+                <a:spcPts val="600"/>
+              </a:spcAft>
+              <a:buFont typeface="Arial" panose="020B0604020202020204" pitchFamily="34" charset="0"/>
+              <a:buChar char="•"/>
+            </a:pPr>
+            <a:r>
+              <a:rPr lang="pt-BR" sz="1600">
+                <a:solidFill>
+                  <a:schemeClr val="bg1"/>
+                </a:solidFill>
+              </a:rPr>
+              <a:t>Implementação de modelos de precificação de derivativos para gestão do portfólio de fundos de investimentos </a:t>
+            </a:r>
+          </a:p>
+          <a:p>
+            <a:pPr marL="285750" indent="-285750" algn="just">
+              <a:spcAft>
+                <a:spcPts val="600"/>
+              </a:spcAft>
+              <a:buFont typeface="Arial" panose="020B0604020202020204" pitchFamily="34" charset="0"/>
+              <a:buChar char="•"/>
+            </a:pPr>
+            <a:r>
+              <a:rPr lang="pt-BR" sz="1600">
+                <a:solidFill>
+                  <a:schemeClr val="bg1"/>
+                </a:solidFill>
+              </a:rPr>
+              <a:t>Desenvolvimento de produtos utilizando inteligência artificial generativa (</a:t>
+            </a:r>
+            <a:r>
+              <a:rPr lang="pt-BR" sz="1600" i="1" err="1">
+                <a:solidFill>
+                  <a:schemeClr val="bg1"/>
+                </a:solidFill>
+              </a:rPr>
+              <a:t>large</a:t>
+            </a:r>
+            <a:r>
+              <a:rPr lang="pt-BR" sz="1600" i="1">
+                <a:solidFill>
+                  <a:schemeClr val="bg1"/>
+                </a:solidFill>
+              </a:rPr>
+              <a:t> </a:t>
+            </a:r>
+            <a:r>
+              <a:rPr lang="pt-BR" sz="1600" i="1" err="1">
+                <a:solidFill>
+                  <a:schemeClr val="bg1"/>
+                </a:solidFill>
+              </a:rPr>
+              <a:t>language</a:t>
+            </a:r>
+            <a:r>
+              <a:rPr lang="pt-BR" sz="1600" i="1">
+                <a:solidFill>
+                  <a:schemeClr val="bg1"/>
+                </a:solidFill>
+              </a:rPr>
+              <a:t> models</a:t>
+            </a:r>
+            <a:r>
+              <a:rPr lang="pt-BR" sz="1600">
+                <a:solidFill>
+                  <a:schemeClr val="bg1"/>
+                </a:solidFill>
+              </a:rPr>
+              <a:t>, LLM)</a:t>
+            </a:r>
+          </a:p>
+        </p:txBody>
+      </p:sp>
     </p:spTree>
     <p:extLst>
       <p:ext uri="{BB962C8B-B14F-4D97-AF65-F5344CB8AC3E}">
-        <p14:creationId xmlns:p14="http://schemas.microsoft.com/office/powerpoint/2010/main" val="670589492"/>
+        <p14:creationId xmlns:p14="http://schemas.microsoft.com/office/powerpoint/2010/main" val="603448917"/>
       </p:ext>
     </p:extLst>
   </p:cSld>
   <p:clrMapOvr>
     <a:masterClrMapping/>
   </p:clrMapOvr>
+  <p:transition spd="slow">
+    <p:push dir="u"/>
+  </p:transition>
 </p:sld>
 </file>
 
-<file path=ppt/slides/slide10.xml><?xml version="1.0" encoding="utf-8"?>
+<file path=ppt/slides/slide11.xml><?xml version="1.0" encoding="utf-8"?>
+<p:sld xmlns:a="http://schemas.openxmlformats.org/drawingml/2006/main" xmlns:r="http://schemas.openxmlformats.org/officeDocument/2006/relationships" xmlns:p="http://schemas.openxmlformats.org/presentationml/2006/main">
+  <p:cSld>
+    <p:bg>
+      <p:bgPr>
+        <a:gradFill>
+          <a:gsLst>
+            <a:gs pos="0">
+              <a:srgbClr val="003CB4"/>
+            </a:gs>
+            <a:gs pos="92000">
+              <a:srgbClr val="00297A"/>
+            </a:gs>
+          </a:gsLst>
+          <a:lin ang="0" scaled="0"/>
+        </a:gradFill>
+        <a:effectLst/>
+      </p:bgPr>
+    </p:bg>
+    <p:spTree>
+      <p:nvGrpSpPr>
+        <p:cNvPr id="1" name="">
+          <a:extLst>
+            <a:ext uri="{FF2B5EF4-FFF2-40B4-BE49-F238E27FC236}">
+              <a16:creationId xmlns:a16="http://schemas.microsoft.com/office/drawing/2014/main" id="{2576322E-08FF-E5CA-D2A0-2FD1D899D726}"/>
+            </a:ext>
+          </a:extLst>
+        </p:cNvPr>
+        <p:cNvGrpSpPr/>
+        <p:nvPr/>
+      </p:nvGrpSpPr>
+      <p:grpSpPr>
+        <a:xfrm>
+          <a:off x="0" y="0"/>
+          <a:ext cx="0" cy="0"/>
+          <a:chOff x="0" y="0"/>
+          <a:chExt cx="0" cy="0"/>
+        </a:xfrm>
+      </p:grpSpPr>
+      <p:sp>
+        <p:nvSpPr>
+          <p:cNvPr id="5" name="CaixaDeTexto 4">
+            <a:extLst>
+              <a:ext uri="{FF2B5EF4-FFF2-40B4-BE49-F238E27FC236}">
+                <a16:creationId xmlns:a16="http://schemas.microsoft.com/office/drawing/2014/main" id="{94D5142E-2C68-A234-8D18-F4193F7FD00C}"/>
+              </a:ext>
+            </a:extLst>
+          </p:cNvPr>
+          <p:cNvSpPr txBox="1"/>
+          <p:nvPr/>
+        </p:nvSpPr>
+        <p:spPr>
+          <a:xfrm>
+            <a:off x="499972" y="1271016"/>
+            <a:ext cx="10856876" cy="5816977"/>
+          </a:xfrm>
+          <a:prstGeom prst="rect">
+            <a:avLst/>
+          </a:prstGeom>
+          <a:noFill/>
+        </p:spPr>
+        <p:txBody>
+          <a:bodyPr wrap="square" rtlCol="0">
+            <a:spAutoFit/>
+          </a:bodyPr>
+          <a:lstStyle/>
+          <a:p>
+            <a:pPr>
+              <a:spcAft>
+                <a:spcPts val="1200"/>
+              </a:spcAft>
+            </a:pPr>
+            <a:r>
+              <a:rPr lang="pt-BR" b="1">
+                <a:solidFill>
+                  <a:schemeClr val="bg1"/>
+                </a:solidFill>
+              </a:rPr>
+              <a:t>Representação discente</a:t>
+            </a:r>
+          </a:p>
+          <a:p>
+            <a:pPr marL="285750" indent="-285750">
+              <a:spcAft>
+                <a:spcPts val="1200"/>
+              </a:spcAft>
+              <a:buFont typeface="Arial" panose="020B0604020202020204" pitchFamily="34" charset="0"/>
+              <a:buChar char="•"/>
+            </a:pPr>
+            <a:r>
+              <a:rPr lang="pt-BR">
+                <a:solidFill>
+                  <a:schemeClr val="bg1"/>
+                </a:solidFill>
+              </a:rPr>
+              <a:t>Vice-presidente do Centro Acadêmico de Matemática Computacional, UFMG (2015)</a:t>
+            </a:r>
+          </a:p>
+          <a:p>
+            <a:pPr marL="285750" indent="-285750">
+              <a:spcAft>
+                <a:spcPts val="1200"/>
+              </a:spcAft>
+              <a:buFont typeface="Arial" panose="020B0604020202020204" pitchFamily="34" charset="0"/>
+              <a:buChar char="•"/>
+            </a:pPr>
+            <a:r>
+              <a:rPr lang="pt-BR">
+                <a:solidFill>
+                  <a:schemeClr val="bg1"/>
+                </a:solidFill>
+              </a:rPr>
+              <a:t>Colegiado de Pós-Graduação em Estatística, UFMG (2017)</a:t>
+            </a:r>
+          </a:p>
+          <a:p>
+            <a:pPr marL="285750" indent="-285750">
+              <a:spcAft>
+                <a:spcPts val="1200"/>
+              </a:spcAft>
+              <a:buFont typeface="Arial" panose="020B0604020202020204" pitchFamily="34" charset="0"/>
+              <a:buChar char="•"/>
+            </a:pPr>
+            <a:r>
+              <a:rPr lang="pt-BR">
+                <a:solidFill>
+                  <a:schemeClr val="bg1"/>
+                </a:solidFill>
+              </a:rPr>
+              <a:t>Comissão Coordenadora do Programa de Pós-Graduação em Estatística, IME-USP (2019)</a:t>
+            </a:r>
+          </a:p>
+          <a:p>
+            <a:pPr marL="285750" indent="-285750">
+              <a:spcAft>
+                <a:spcPts val="1200"/>
+              </a:spcAft>
+              <a:buFont typeface="Arial" panose="020B0604020202020204" pitchFamily="34" charset="0"/>
+              <a:buChar char="•"/>
+            </a:pPr>
+            <a:r>
+              <a:rPr lang="pt-BR">
+                <a:solidFill>
+                  <a:schemeClr val="bg1"/>
+                </a:solidFill>
+              </a:rPr>
+              <a:t>Conselho do Departamento de Estatística, IME-USP (2020)</a:t>
+            </a:r>
+          </a:p>
+          <a:p>
+            <a:pPr marL="285750" indent="-285750">
+              <a:spcAft>
+                <a:spcPts val="1200"/>
+              </a:spcAft>
+              <a:buFont typeface="Arial" panose="020B0604020202020204" pitchFamily="34" charset="0"/>
+              <a:buChar char="•"/>
+            </a:pPr>
+            <a:endParaRPr lang="pt-BR">
+              <a:solidFill>
+                <a:schemeClr val="bg1"/>
+              </a:solidFill>
+            </a:endParaRPr>
+          </a:p>
+          <a:p>
+            <a:pPr>
+              <a:spcAft>
+                <a:spcPts val="1200"/>
+              </a:spcAft>
+            </a:pPr>
+            <a:r>
+              <a:rPr lang="pt-BR" b="1">
+                <a:solidFill>
+                  <a:schemeClr val="bg1"/>
+                </a:solidFill>
+              </a:rPr>
+              <a:t>Trabalho voluntário</a:t>
+            </a:r>
+          </a:p>
+          <a:p>
+            <a:pPr marL="285750" indent="-285750">
+              <a:spcAft>
+                <a:spcPts val="1200"/>
+              </a:spcAft>
+              <a:buFont typeface="Arial" panose="020B0604020202020204" pitchFamily="34" charset="0"/>
+              <a:buChar char="•"/>
+            </a:pPr>
+            <a:r>
+              <a:rPr lang="pt-BR">
+                <a:solidFill>
+                  <a:schemeClr val="bg1"/>
+                </a:solidFill>
+              </a:rPr>
+              <a:t>Comissão de Recepção da Pós-Graduação, USP (2018-2020). Página: “</a:t>
+            </a:r>
+            <a:r>
+              <a:rPr lang="pt-BR" b="1">
+                <a:solidFill>
+                  <a:schemeClr val="bg1"/>
+                </a:solidFill>
+              </a:rPr>
+              <a:t>Como estou sobrevivendo ao IME USP?”</a:t>
+            </a:r>
+          </a:p>
+          <a:p>
+            <a:pPr marL="285750" indent="-285750">
+              <a:spcAft>
+                <a:spcPts val="1200"/>
+              </a:spcAft>
+              <a:buFont typeface="Arial" panose="020B0604020202020204" pitchFamily="34" charset="0"/>
+              <a:buChar char="•"/>
+            </a:pPr>
+            <a:r>
+              <a:rPr lang="pt-BR">
+                <a:solidFill>
+                  <a:schemeClr val="bg1"/>
+                </a:solidFill>
+              </a:rPr>
+              <a:t>Cursinho Preparatório Amorim Lima para o Ensino Médio Técnico (2019)</a:t>
+            </a:r>
+          </a:p>
+          <a:p>
+            <a:pPr marL="285750" indent="-285750">
+              <a:spcAft>
+                <a:spcPts val="1200"/>
+              </a:spcAft>
+              <a:buFont typeface="Arial" panose="020B0604020202020204" pitchFamily="34" charset="0"/>
+              <a:buChar char="•"/>
+            </a:pPr>
+            <a:r>
+              <a:rPr lang="pt-BR">
+                <a:solidFill>
+                  <a:schemeClr val="bg1"/>
+                </a:solidFill>
+              </a:rPr>
+              <a:t>Tradução do livro R for </a:t>
+            </a:r>
+            <a:r>
+              <a:rPr lang="pt-BR" i="1">
+                <a:solidFill>
+                  <a:schemeClr val="bg1"/>
+                </a:solidFill>
+              </a:rPr>
+              <a:t>Data Science </a:t>
+            </a:r>
+            <a:r>
+              <a:rPr lang="pt-BR">
+                <a:solidFill>
+                  <a:schemeClr val="bg1"/>
+                </a:solidFill>
+              </a:rPr>
+              <a:t>de Hadley Wickham para português brasileiro (revisor).</a:t>
+            </a:r>
+          </a:p>
+          <a:p>
+            <a:pPr marL="285750" indent="-285750">
+              <a:spcAft>
+                <a:spcPts val="1200"/>
+              </a:spcAft>
+              <a:buFont typeface="Arial" panose="020B0604020202020204" pitchFamily="34" charset="0"/>
+              <a:buChar char="•"/>
+            </a:pPr>
+            <a:endParaRPr lang="pt-BR">
+              <a:solidFill>
+                <a:schemeClr val="bg1"/>
+              </a:solidFill>
+            </a:endParaRPr>
+          </a:p>
+          <a:p>
+            <a:pPr>
+              <a:spcAft>
+                <a:spcPts val="1200"/>
+              </a:spcAft>
+            </a:pPr>
+            <a:endParaRPr lang="pt-BR">
+              <a:solidFill>
+                <a:schemeClr val="bg1"/>
+              </a:solidFill>
+            </a:endParaRPr>
+          </a:p>
+          <a:p>
+            <a:pPr>
+              <a:spcAft>
+                <a:spcPts val="1200"/>
+              </a:spcAft>
+            </a:pPr>
+            <a:endParaRPr lang="pt-BR" b="1">
+              <a:solidFill>
+                <a:schemeClr val="bg1"/>
+              </a:solidFill>
+            </a:endParaRPr>
+          </a:p>
+        </p:txBody>
+      </p:sp>
+      <p:sp>
+        <p:nvSpPr>
+          <p:cNvPr id="6" name="CaixaDeTexto 5">
+            <a:extLst>
+              <a:ext uri="{FF2B5EF4-FFF2-40B4-BE49-F238E27FC236}">
+                <a16:creationId xmlns:a16="http://schemas.microsoft.com/office/drawing/2014/main" id="{56CED568-D1D4-4B18-60E0-E1C0676E26AC}"/>
+              </a:ext>
+            </a:extLst>
+          </p:cNvPr>
+          <p:cNvSpPr txBox="1"/>
+          <p:nvPr/>
+        </p:nvSpPr>
+        <p:spPr>
+          <a:xfrm>
+            <a:off x="424543" y="584838"/>
+            <a:ext cx="7311281" cy="477054"/>
+          </a:xfrm>
+          <a:prstGeom prst="rect">
+            <a:avLst/>
+          </a:prstGeom>
+          <a:noFill/>
+        </p:spPr>
+        <p:txBody>
+          <a:bodyPr wrap="square" rtlCol="0">
+            <a:spAutoFit/>
+          </a:bodyPr>
+          <a:lstStyle/>
+          <a:p>
+            <a:r>
+              <a:rPr lang="pt-BR" sz="2500" b="1">
+                <a:solidFill>
+                  <a:schemeClr val="bg1"/>
+                </a:solidFill>
+                <a:latin typeface="Century Gothic" panose="020B0502020202020204" pitchFamily="34" charset="0"/>
+              </a:rPr>
+              <a:t>Outras atividades</a:t>
+            </a:r>
+          </a:p>
+        </p:txBody>
+      </p:sp>
+      <p:cxnSp>
+        <p:nvCxnSpPr>
+          <p:cNvPr id="8" name="Conector Reto 77">
+            <a:extLst>
+              <a:ext uri="{FF2B5EF4-FFF2-40B4-BE49-F238E27FC236}">
+                <a16:creationId xmlns:a16="http://schemas.microsoft.com/office/drawing/2014/main" id="{14F386BD-6058-F81F-044E-A5669525CD01}"/>
+              </a:ext>
+            </a:extLst>
+          </p:cNvPr>
+          <p:cNvCxnSpPr>
+            <a:cxnSpLocks/>
+          </p:cNvCxnSpPr>
+          <p:nvPr/>
+        </p:nvCxnSpPr>
+        <p:spPr>
+          <a:xfrm>
+            <a:off x="499972" y="1015725"/>
+            <a:ext cx="5946548" cy="0"/>
+          </a:xfrm>
+          <a:prstGeom prst="line">
+            <a:avLst/>
+          </a:prstGeom>
+          <a:ln w="6350">
+            <a:solidFill>
+              <a:schemeClr val="bg1"/>
+            </a:solidFill>
+          </a:ln>
+        </p:spPr>
+        <p:style>
+          <a:lnRef idx="2">
+            <a:schemeClr val="accent1"/>
+          </a:lnRef>
+          <a:fillRef idx="0">
+            <a:schemeClr val="accent1"/>
+          </a:fillRef>
+          <a:effectRef idx="1">
+            <a:schemeClr val="accent1"/>
+          </a:effectRef>
+          <a:fontRef idx="minor">
+            <a:schemeClr val="tx1"/>
+          </a:fontRef>
+        </p:style>
+      </p:cxnSp>
+      <p:sp>
+        <p:nvSpPr>
+          <p:cNvPr id="4" name="CaixaDeTexto 3">
+            <a:extLst>
+              <a:ext uri="{FF2B5EF4-FFF2-40B4-BE49-F238E27FC236}">
+                <a16:creationId xmlns:a16="http://schemas.microsoft.com/office/drawing/2014/main" id="{08F813EE-3051-BDED-A0F7-1DAEA550A8FC}"/>
+              </a:ext>
+            </a:extLst>
+          </p:cNvPr>
+          <p:cNvSpPr txBox="1"/>
+          <p:nvPr/>
+        </p:nvSpPr>
+        <p:spPr>
+          <a:xfrm>
+            <a:off x="499972" y="3410063"/>
+            <a:ext cx="10856876" cy="1785104"/>
+          </a:xfrm>
+          <a:prstGeom prst="rect">
+            <a:avLst/>
+          </a:prstGeom>
+          <a:noFill/>
+        </p:spPr>
+        <p:txBody>
+          <a:bodyPr wrap="square" rtlCol="0">
+            <a:spAutoFit/>
+          </a:bodyPr>
+          <a:lstStyle/>
+          <a:p>
+            <a:pPr>
+              <a:spcAft>
+                <a:spcPts val="600"/>
+              </a:spcAft>
+            </a:pPr>
+            <a:endParaRPr lang="pt-BR">
+              <a:solidFill>
+                <a:schemeClr val="bg1"/>
+              </a:solidFill>
+            </a:endParaRPr>
+          </a:p>
+          <a:p>
+            <a:pPr marL="285750" indent="-285750">
+              <a:spcAft>
+                <a:spcPts val="600"/>
+              </a:spcAft>
+              <a:buFont typeface="Arial" panose="020B0604020202020204" pitchFamily="34" charset="0"/>
+              <a:buChar char="•"/>
+            </a:pPr>
+            <a:endParaRPr lang="pt-BR">
+              <a:solidFill>
+                <a:schemeClr val="bg1"/>
+              </a:solidFill>
+            </a:endParaRPr>
+          </a:p>
+          <a:p>
+            <a:pPr marL="285750" indent="-285750">
+              <a:spcAft>
+                <a:spcPts val="600"/>
+              </a:spcAft>
+              <a:buFont typeface="Arial" panose="020B0604020202020204" pitchFamily="34" charset="0"/>
+              <a:buChar char="•"/>
+            </a:pPr>
+            <a:endParaRPr lang="pt-BR">
+              <a:solidFill>
+                <a:schemeClr val="bg1"/>
+              </a:solidFill>
+            </a:endParaRPr>
+          </a:p>
+          <a:p>
+            <a:pPr>
+              <a:spcAft>
+                <a:spcPts val="600"/>
+              </a:spcAft>
+            </a:pPr>
+            <a:endParaRPr lang="pt-BR">
+              <a:solidFill>
+                <a:schemeClr val="bg1"/>
+              </a:solidFill>
+            </a:endParaRPr>
+          </a:p>
+          <a:p>
+            <a:pPr>
+              <a:spcAft>
+                <a:spcPts val="600"/>
+              </a:spcAft>
+            </a:pPr>
+            <a:endParaRPr lang="pt-BR" b="1">
+              <a:solidFill>
+                <a:schemeClr val="bg1"/>
+              </a:solidFill>
+            </a:endParaRPr>
+          </a:p>
+        </p:txBody>
+      </p:sp>
+    </p:spTree>
+    <p:extLst>
+      <p:ext uri="{BB962C8B-B14F-4D97-AF65-F5344CB8AC3E}">
+        <p14:creationId xmlns:p14="http://schemas.microsoft.com/office/powerpoint/2010/main" val="1414647256"/>
+      </p:ext>
+    </p:extLst>
+  </p:cSld>
+  <p:clrMapOvr>
+    <a:masterClrMapping/>
+  </p:clrMapOvr>
+  <p:transition spd="slow">
+    <p:push dir="u"/>
+  </p:transition>
+</p:sld>
+</file>
+
+<file path=ppt/slides/slide12.xml><?xml version="1.0" encoding="utf-8"?>
 <p:sld xmlns:a="http://schemas.openxmlformats.org/drawingml/2006/main" xmlns:r="http://schemas.openxmlformats.org/officeDocument/2006/relationships" xmlns:p="http://schemas.openxmlformats.org/presentationml/2006/main">
   <p:cSld>
     <p:bg>
@@ -7615,7 +9162,7 @@
 </p:sld>
 </file>
 
-<file path=ppt/slides/slide11.xml><?xml version="1.0" encoding="utf-8"?>
+<file path=ppt/slides/slide13.xml><?xml version="1.0" encoding="utf-8"?>
 <p:sld xmlns:a="http://schemas.openxmlformats.org/drawingml/2006/main" xmlns:r="http://schemas.openxmlformats.org/officeDocument/2006/relationships" xmlns:p="http://schemas.openxmlformats.org/presentationml/2006/main">
   <p:cSld>
     <p:bg>
@@ -8894,6 +10441,380 @@
 </file>
 
 <file path=ppt/slides/slide2.xml><?xml version="1.0" encoding="utf-8"?>
+<p:sld xmlns:a="http://schemas.openxmlformats.org/drawingml/2006/main" xmlns:r="http://schemas.openxmlformats.org/officeDocument/2006/relationships" xmlns:p="http://schemas.openxmlformats.org/presentationml/2006/main">
+  <p:cSld>
+    <p:spTree>
+      <p:nvGrpSpPr>
+        <p:cNvPr id="1" name=""/>
+        <p:cNvGrpSpPr/>
+        <p:nvPr/>
+      </p:nvGrpSpPr>
+      <p:grpSpPr>
+        <a:xfrm>
+          <a:off x="0" y="0"/>
+          <a:ext cx="0" cy="0"/>
+          <a:chOff x="0" y="0"/>
+          <a:chExt cx="0" cy="0"/>
+        </a:xfrm>
+      </p:grpSpPr>
+      <p:pic>
+        <p:nvPicPr>
+          <p:cNvPr id="5" name="Imagem 4">
+            <a:extLst>
+              <a:ext uri="{FF2B5EF4-FFF2-40B4-BE49-F238E27FC236}">
+                <a16:creationId xmlns:a16="http://schemas.microsoft.com/office/drawing/2014/main" id="{7A4B4FA0-CC44-DEC3-B550-AC3E3094F55B}"/>
+              </a:ext>
+            </a:extLst>
+          </p:cNvPr>
+          <p:cNvPicPr>
+            <a:picLocks noChangeAspect="1"/>
+          </p:cNvPicPr>
+          <p:nvPr/>
+        </p:nvPicPr>
+        <p:blipFill>
+          <a:blip r:embed="rId2"/>
+          <a:srcRect b="27189"/>
+          <a:stretch>
+            <a:fillRect/>
+          </a:stretch>
+        </p:blipFill>
+        <p:spPr>
+          <a:xfrm>
+            <a:off x="746966" y="1747603"/>
+            <a:ext cx="10698068" cy="2448477"/>
+          </a:xfrm>
+          <a:prstGeom prst="rect">
+            <a:avLst/>
+          </a:prstGeom>
+        </p:spPr>
+      </p:pic>
+      <p:pic>
+        <p:nvPicPr>
+          <p:cNvPr id="7" name="Imagem 6">
+            <a:extLst>
+              <a:ext uri="{FF2B5EF4-FFF2-40B4-BE49-F238E27FC236}">
+                <a16:creationId xmlns:a16="http://schemas.microsoft.com/office/drawing/2014/main" id="{4550E680-552A-E410-3C14-54A58F06F38F}"/>
+              </a:ext>
+            </a:extLst>
+          </p:cNvPr>
+          <p:cNvPicPr>
+            <a:picLocks noChangeAspect="1"/>
+          </p:cNvPicPr>
+          <p:nvPr/>
+        </p:nvPicPr>
+        <p:blipFill>
+          <a:blip r:embed="rId3"/>
+          <a:stretch>
+            <a:fillRect/>
+          </a:stretch>
+        </p:blipFill>
+        <p:spPr>
+          <a:xfrm>
+            <a:off x="746966" y="829898"/>
+            <a:ext cx="3524742" cy="666843"/>
+          </a:xfrm>
+          <a:prstGeom prst="rect">
+            <a:avLst/>
+          </a:prstGeom>
+        </p:spPr>
+      </p:pic>
+      <p:pic>
+        <p:nvPicPr>
+          <p:cNvPr id="8" name="Imagem 7">
+            <a:extLst>
+              <a:ext uri="{FF2B5EF4-FFF2-40B4-BE49-F238E27FC236}">
+                <a16:creationId xmlns:a16="http://schemas.microsoft.com/office/drawing/2014/main" id="{D2442E84-BD79-FFA4-5E75-1FADE7A4C1E5}"/>
+              </a:ext>
+            </a:extLst>
+          </p:cNvPr>
+          <p:cNvPicPr>
+            <a:picLocks noChangeAspect="1"/>
+          </p:cNvPicPr>
+          <p:nvPr/>
+        </p:nvPicPr>
+        <p:blipFill>
+          <a:blip r:embed="rId2"/>
+          <a:srcRect t="86105"/>
+          <a:stretch>
+            <a:fillRect/>
+          </a:stretch>
+        </p:blipFill>
+        <p:spPr>
+          <a:xfrm>
+            <a:off x="746966" y="4114799"/>
+            <a:ext cx="10698068" cy="467277"/>
+          </a:xfrm>
+          <a:prstGeom prst="rect">
+            <a:avLst/>
+          </a:prstGeom>
+        </p:spPr>
+      </p:pic>
+    </p:spTree>
+    <p:extLst>
+      <p:ext uri="{BB962C8B-B14F-4D97-AF65-F5344CB8AC3E}">
+        <p14:creationId xmlns:p14="http://schemas.microsoft.com/office/powerpoint/2010/main" val="1104142465"/>
+      </p:ext>
+    </p:extLst>
+  </p:cSld>
+  <p:clrMapOvr>
+    <a:masterClrMapping/>
+  </p:clrMapOvr>
+</p:sld>
+</file>
+
+<file path=ppt/slides/slide3.xml><?xml version="1.0" encoding="utf-8"?>
+<p:sld xmlns:a="http://schemas.openxmlformats.org/drawingml/2006/main" xmlns:r="http://schemas.openxmlformats.org/officeDocument/2006/relationships" xmlns:p="http://schemas.openxmlformats.org/presentationml/2006/main">
+  <p:cSld>
+    <p:bg>
+      <p:bgPr>
+        <a:solidFill>
+          <a:srgbClr val="002060"/>
+        </a:solidFill>
+        <a:effectLst/>
+      </p:bgPr>
+    </p:bg>
+    <p:spTree>
+      <p:nvGrpSpPr>
+        <p:cNvPr id="1" name=""/>
+        <p:cNvGrpSpPr/>
+        <p:nvPr/>
+      </p:nvGrpSpPr>
+      <p:grpSpPr>
+        <a:xfrm>
+          <a:off x="0" y="0"/>
+          <a:ext cx="0" cy="0"/>
+          <a:chOff x="0" y="0"/>
+          <a:chExt cx="0" cy="0"/>
+        </a:xfrm>
+      </p:grpSpPr>
+      <p:sp>
+        <p:nvSpPr>
+          <p:cNvPr id="7" name="CaixaDeTexto 6">
+            <a:extLst>
+              <a:ext uri="{FF2B5EF4-FFF2-40B4-BE49-F238E27FC236}">
+                <a16:creationId xmlns:a16="http://schemas.microsoft.com/office/drawing/2014/main" id="{33968E8E-4F4C-CF0C-7638-3C0DE14AB2AD}"/>
+              </a:ext>
+            </a:extLst>
+          </p:cNvPr>
+          <p:cNvSpPr txBox="1"/>
+          <p:nvPr/>
+        </p:nvSpPr>
+        <p:spPr>
+          <a:xfrm>
+            <a:off x="531837" y="2644878"/>
+            <a:ext cx="5823243" cy="1107996"/>
+          </a:xfrm>
+          <a:prstGeom prst="rect">
+            <a:avLst/>
+          </a:prstGeom>
+          <a:noFill/>
+        </p:spPr>
+        <p:txBody>
+          <a:bodyPr wrap="square" lIns="91440" tIns="45720" rIns="91440" bIns="45720" rtlCol="0" anchor="ctr">
+            <a:spAutoFit/>
+          </a:bodyPr>
+          <a:lstStyle/>
+          <a:p>
+            <a:pPr marL="0" marR="0" lvl="0" indent="0" algn="l" defTabSz="914400" rtl="0" eaLnBrk="1" fontAlgn="auto" latinLnBrk="0" hangingPunct="1">
+              <a:lnSpc>
+                <a:spcPct val="100000"/>
+              </a:lnSpc>
+              <a:spcBef>
+                <a:spcPts val="0"/>
+              </a:spcBef>
+              <a:spcAft>
+                <a:spcPts val="0"/>
+              </a:spcAft>
+              <a:buClrTx/>
+              <a:buSzTx/>
+              <a:buFontTx/>
+              <a:buNone/>
+              <a:tabLst/>
+              <a:defRPr/>
+            </a:pPr>
+            <a:r>
+              <a:rPr kumimoji="0" lang="pt-BR" sz="6600" b="1" i="0" u="none" strike="noStrike" kern="1200" cap="none" spc="0" normalizeH="0" baseline="0" noProof="0">
+                <a:ln>
+                  <a:noFill/>
+                </a:ln>
+                <a:solidFill>
+                  <a:prstClr val="white"/>
+                </a:solidFill>
+                <a:effectLst/>
+                <a:uLnTx/>
+                <a:uFillTx/>
+                <a:latin typeface="Century Gothic"/>
+              </a:rPr>
+              <a:t>Memorial</a:t>
+            </a:r>
+          </a:p>
+        </p:txBody>
+      </p:sp>
+      <p:sp>
+        <p:nvSpPr>
+          <p:cNvPr id="4" name="CaixaDeTexto 3">
+            <a:extLst>
+              <a:ext uri="{FF2B5EF4-FFF2-40B4-BE49-F238E27FC236}">
+                <a16:creationId xmlns:a16="http://schemas.microsoft.com/office/drawing/2014/main" id="{8687E42A-5DC6-C8D6-86C5-C269C018A27C}"/>
+              </a:ext>
+            </a:extLst>
+          </p:cNvPr>
+          <p:cNvSpPr txBox="1"/>
+          <p:nvPr/>
+        </p:nvSpPr>
+        <p:spPr>
+          <a:xfrm>
+            <a:off x="531836" y="3893089"/>
+            <a:ext cx="8182395" cy="830997"/>
+          </a:xfrm>
+          <a:prstGeom prst="rect">
+            <a:avLst/>
+          </a:prstGeom>
+          <a:noFill/>
+        </p:spPr>
+        <p:txBody>
+          <a:bodyPr wrap="square" rtlCol="0" anchor="ctr">
+            <a:spAutoFit/>
+          </a:bodyPr>
+          <a:lstStyle/>
+          <a:p>
+            <a:pPr marL="0" marR="0" lvl="0" indent="0" algn="l" defTabSz="914400" rtl="0" eaLnBrk="1" fontAlgn="auto" latinLnBrk="0" hangingPunct="1">
+              <a:lnSpc>
+                <a:spcPct val="80000"/>
+              </a:lnSpc>
+              <a:spcBef>
+                <a:spcPts val="0"/>
+              </a:spcBef>
+              <a:spcAft>
+                <a:spcPts val="0"/>
+              </a:spcAft>
+              <a:buClrTx/>
+              <a:buSzTx/>
+              <a:buFontTx/>
+              <a:buNone/>
+              <a:tabLst/>
+              <a:defRPr/>
+            </a:pPr>
+            <a:r>
+              <a:rPr kumimoji="0" lang="pt-BR" sz="6000" b="0" i="0" u="none" strike="noStrike" kern="1200" cap="none" spc="0" normalizeH="0" baseline="0" noProof="0">
+                <a:ln>
+                  <a:noFill/>
+                </a:ln>
+                <a:solidFill>
+                  <a:prstClr val="white"/>
+                </a:solidFill>
+                <a:effectLst/>
+                <a:uLnTx/>
+                <a:uFillTx/>
+                <a:latin typeface="Century Gothic" panose="020B0502020202020204" pitchFamily="34" charset="0"/>
+                <a:ea typeface="+mn-ea"/>
+                <a:cs typeface="+mn-cs"/>
+              </a:rPr>
+              <a:t>Magno Severino</a:t>
+            </a:r>
+          </a:p>
+        </p:txBody>
+      </p:sp>
+      <p:cxnSp>
+        <p:nvCxnSpPr>
+          <p:cNvPr id="5" name="Conector Reto 73">
+            <a:extLst>
+              <a:ext uri="{FF2B5EF4-FFF2-40B4-BE49-F238E27FC236}">
+                <a16:creationId xmlns:a16="http://schemas.microsoft.com/office/drawing/2014/main" id="{A227B381-C8C2-0B13-BE33-F3F735EEF525}"/>
+              </a:ext>
+            </a:extLst>
+          </p:cNvPr>
+          <p:cNvCxnSpPr>
+            <a:cxnSpLocks/>
+          </p:cNvCxnSpPr>
+          <p:nvPr/>
+        </p:nvCxnSpPr>
+        <p:spPr>
+          <a:xfrm>
+            <a:off x="-37525" y="2707971"/>
+            <a:ext cx="4527229" cy="0"/>
+          </a:xfrm>
+          <a:prstGeom prst="line">
+            <a:avLst/>
+          </a:prstGeom>
+          <a:ln w="6350">
+            <a:solidFill>
+              <a:schemeClr val="bg1"/>
+            </a:solidFill>
+          </a:ln>
+        </p:spPr>
+        <p:style>
+          <a:lnRef idx="2">
+            <a:schemeClr val="accent1"/>
+          </a:lnRef>
+          <a:fillRef idx="0">
+            <a:schemeClr val="accent1"/>
+          </a:fillRef>
+          <a:effectRef idx="1">
+            <a:schemeClr val="accent1"/>
+          </a:effectRef>
+          <a:fontRef idx="minor">
+            <a:schemeClr val="tx1"/>
+          </a:fontRef>
+        </p:style>
+      </p:cxnSp>
+      <p:cxnSp>
+        <p:nvCxnSpPr>
+          <p:cNvPr id="6" name="Conector Reto 77">
+            <a:extLst>
+              <a:ext uri="{FF2B5EF4-FFF2-40B4-BE49-F238E27FC236}">
+                <a16:creationId xmlns:a16="http://schemas.microsoft.com/office/drawing/2014/main" id="{91206AC3-2761-6445-9F3F-FC7C9D5483B6}"/>
+              </a:ext>
+            </a:extLst>
+          </p:cNvPr>
+          <p:cNvCxnSpPr>
+            <a:cxnSpLocks/>
+          </p:cNvCxnSpPr>
+          <p:nvPr/>
+        </p:nvCxnSpPr>
+        <p:spPr>
+          <a:xfrm>
+            <a:off x="575" y="3744687"/>
+            <a:ext cx="4489129" cy="0"/>
+          </a:xfrm>
+          <a:prstGeom prst="line">
+            <a:avLst/>
+          </a:prstGeom>
+          <a:ln w="6350">
+            <a:solidFill>
+              <a:schemeClr val="bg1"/>
+            </a:solidFill>
+          </a:ln>
+        </p:spPr>
+        <p:style>
+          <a:lnRef idx="2">
+            <a:schemeClr val="accent1"/>
+          </a:lnRef>
+          <a:fillRef idx="0">
+            <a:schemeClr val="accent1"/>
+          </a:fillRef>
+          <a:effectRef idx="1">
+            <a:schemeClr val="accent1"/>
+          </a:effectRef>
+          <a:fontRef idx="minor">
+            <a:schemeClr val="tx1"/>
+          </a:fontRef>
+        </p:style>
+      </p:cxnSp>
+    </p:spTree>
+    <p:extLst>
+      <p:ext uri="{BB962C8B-B14F-4D97-AF65-F5344CB8AC3E}">
+        <p14:creationId xmlns:p14="http://schemas.microsoft.com/office/powerpoint/2010/main" val="670589492"/>
+      </p:ext>
+    </p:extLst>
+  </p:cSld>
+  <p:clrMapOvr>
+    <a:masterClrMapping/>
+  </p:clrMapOvr>
+</p:sld>
+</file>
+
+<file path=ppt/slides/slide4.xml><?xml version="1.0" encoding="utf-8"?>
 <p:sld xmlns:a="http://schemas.openxmlformats.org/drawingml/2006/main" xmlns:r="http://schemas.openxmlformats.org/officeDocument/2006/relationships" xmlns:p="http://schemas.openxmlformats.org/presentationml/2006/main">
   <p:cSld>
     <p:bg>
@@ -9394,7 +11315,7 @@
           <p:nvPr/>
         </p:nvPicPr>
         <p:blipFill>
-          <a:blip r:embed="rId2">
+          <a:blip r:embed="rId3">
             <a:lum bright="70000" contrast="-70000"/>
           </a:blip>
           <a:stretch>
@@ -9426,7 +11347,7 @@
           <p:nvPr/>
         </p:nvPicPr>
         <p:blipFill>
-          <a:blip r:embed="rId3">
+          <a:blip r:embed="rId4">
             <a:lum bright="70000" contrast="-70000"/>
           </a:blip>
           <a:stretch>
@@ -9458,7 +11379,7 @@
           <p:nvPr/>
         </p:nvPicPr>
         <p:blipFill>
-          <a:blip r:embed="rId4">
+          <a:blip r:embed="rId5">
             <a:lum bright="70000" contrast="-70000"/>
           </a:blip>
           <a:stretch>
@@ -9574,7 +11495,7 @@
 </p:sld>
 </file>
 
-<file path=ppt/slides/slide3.xml><?xml version="1.0" encoding="utf-8"?>
+<file path=ppt/slides/slide5.xml><?xml version="1.0" encoding="utf-8"?>
 <p:sld xmlns:a="http://schemas.openxmlformats.org/drawingml/2006/main" xmlns:r="http://schemas.openxmlformats.org/officeDocument/2006/relationships" xmlns:p="http://schemas.openxmlformats.org/presentationml/2006/main">
   <p:cSld>
     <p:bg>
@@ -12243,7 +14164,7 @@
 </p:sld>
 </file>
 
-<file path=ppt/slides/slide4.xml><?xml version="1.0" encoding="utf-8"?>
+<file path=ppt/slides/slide6.xml><?xml version="1.0" encoding="utf-8"?>
 <p:sld xmlns:a="http://schemas.openxmlformats.org/drawingml/2006/main" xmlns:r="http://schemas.openxmlformats.org/officeDocument/2006/relationships" xmlns:p="http://schemas.openxmlformats.org/presentationml/2006/main">
   <p:cSld>
     <p:bg>
@@ -13029,7 +14950,7 @@
 </p:sld>
 </file>
 
-<file path=ppt/slides/slide5.xml><?xml version="1.0" encoding="utf-8"?>
+<file path=ppt/slides/slide7.xml><?xml version="1.0" encoding="utf-8"?>
 <p:sld xmlns:a="http://schemas.openxmlformats.org/drawingml/2006/main" xmlns:r="http://schemas.openxmlformats.org/officeDocument/2006/relationships" xmlns:p="http://schemas.openxmlformats.org/presentationml/2006/main">
   <p:cSld>
     <p:bg>
@@ -13318,7 +15239,7 @@
 </p:sld>
 </file>
 
-<file path=ppt/slides/slide6.xml><?xml version="1.0" encoding="utf-8"?>
+<file path=ppt/slides/slide8.xml><?xml version="1.0" encoding="utf-8"?>
 <p:sld xmlns:a="http://schemas.openxmlformats.org/drawingml/2006/main" xmlns:r="http://schemas.openxmlformats.org/officeDocument/2006/relationships" xmlns:p="http://schemas.openxmlformats.org/presentationml/2006/main">
   <p:cSld>
     <p:bg>
@@ -13474,7 +15395,7 @@
               <a:buChar char="•"/>
             </a:pPr>
             <a:r>
-              <a:rPr lang="pt-BR" sz="2000" b="1">
+              <a:rPr lang="pt-BR" sz="2000" b="1" dirty="0">
                 <a:solidFill>
                   <a:schemeClr val="bg1"/>
                 </a:solidFill>
@@ -13488,7 +15409,7 @@
               <a:buChar char="•"/>
             </a:pPr>
             <a:r>
-              <a:rPr lang="pt-BR" sz="1600" b="1">
+              <a:rPr lang="pt-BR" sz="1600" b="1" dirty="0">
                 <a:solidFill>
                   <a:schemeClr val="bg1"/>
                 </a:solidFill>
@@ -13496,7 +15417,7 @@
               <a:t>Graduação</a:t>
             </a:r>
             <a:r>
-              <a:rPr lang="pt-BR" sz="1600">
+              <a:rPr lang="pt-BR" sz="1600" dirty="0">
                 <a:solidFill>
                   <a:schemeClr val="bg1"/>
                 </a:solidFill>
@@ -13510,7 +15431,7 @@
               <a:buChar char="•"/>
             </a:pPr>
             <a:r>
-              <a:rPr lang="pt-BR" sz="1600" b="1">
+              <a:rPr lang="pt-BR" sz="1600" b="1" dirty="0">
                 <a:solidFill>
                   <a:schemeClr val="bg1"/>
                 </a:solidFill>
@@ -13518,7 +15439,7 @@
               <a:t>Pós-graduação</a:t>
             </a:r>
             <a:r>
-              <a:rPr lang="pt-BR" sz="1600">
+              <a:rPr lang="pt-BR" sz="1600" dirty="0">
                 <a:solidFill>
                   <a:schemeClr val="bg1"/>
                 </a:solidFill>
@@ -13526,7 +15447,7 @@
               <a:t>: MAE IME USP (</a:t>
             </a:r>
             <a:r>
-              <a:rPr lang="pt-BR" sz="1600" i="1">
+              <a:rPr lang="pt-BR" sz="1600" i="1" dirty="0">
                 <a:solidFill>
                   <a:schemeClr val="bg1"/>
                 </a:solidFill>
@@ -13534,7 +15455,7 @@
               <a:t>stricto sensu</a:t>
             </a:r>
             <a:r>
-              <a:rPr lang="pt-BR" sz="1600">
+              <a:rPr lang="pt-BR" sz="1600" dirty="0">
                 <a:solidFill>
                   <a:schemeClr val="bg1"/>
                 </a:solidFill>
@@ -13542,7 +15463,7 @@
               <a:t>), Insper (</a:t>
             </a:r>
             <a:r>
-              <a:rPr lang="pt-BR" sz="1600" i="1">
+              <a:rPr lang="pt-BR" sz="1600" i="1" dirty="0">
                 <a:solidFill>
                   <a:schemeClr val="bg1"/>
                 </a:solidFill>
@@ -13550,7 +15471,7 @@
               <a:t>lato sensu</a:t>
             </a:r>
             <a:r>
-              <a:rPr lang="pt-BR" sz="1600">
+              <a:rPr lang="pt-BR" sz="1600" dirty="0">
                 <a:solidFill>
                   <a:schemeClr val="bg1"/>
                 </a:solidFill>
@@ -13564,7 +15485,7 @@
               <a:buChar char="•"/>
             </a:pPr>
             <a:r>
-              <a:rPr lang="pt-BR" sz="1600" b="1">
+              <a:rPr lang="pt-BR" sz="1600" b="1" dirty="0">
                 <a:solidFill>
                   <a:schemeClr val="bg1"/>
                 </a:solidFill>
@@ -13572,7 +15493,7 @@
               <a:t>Disciplinas selecionadas</a:t>
             </a:r>
             <a:r>
-              <a:rPr lang="pt-BR" sz="1600">
+              <a:rPr lang="pt-BR" sz="1600" dirty="0">
                 <a:solidFill>
                   <a:schemeClr val="bg1"/>
                 </a:solidFill>
@@ -13589,7 +15510,7 @@
               <a:buChar char="•"/>
             </a:pPr>
             <a:r>
-              <a:rPr lang="pt-BR" sz="2000" b="1">
+              <a:rPr lang="pt-BR" sz="2000" b="1" dirty="0">
                 <a:solidFill>
                   <a:schemeClr val="bg1"/>
                 </a:solidFill>
@@ -13603,7 +15524,7 @@
               <a:buChar char="•"/>
             </a:pPr>
             <a:r>
-              <a:rPr lang="pt-BR" sz="1600">
+              <a:rPr lang="pt-BR" sz="1600" dirty="0">
                 <a:solidFill>
                   <a:schemeClr val="bg1"/>
                 </a:solidFill>
@@ -13617,7 +15538,7 @@
               <a:buChar char="•"/>
             </a:pPr>
             <a:r>
-              <a:rPr lang="pt-BR" sz="1600">
+              <a:rPr lang="pt-BR" sz="1600" dirty="0">
                 <a:solidFill>
                   <a:schemeClr val="bg1"/>
                 </a:solidFill>
@@ -13625,7 +15546,7 @@
               <a:t>Pós-graduação: Insper (</a:t>
             </a:r>
             <a:r>
-              <a:rPr lang="pt-BR" sz="1600" i="1">
+              <a:rPr lang="pt-BR" sz="1600" i="1" dirty="0">
                 <a:solidFill>
                   <a:schemeClr val="bg1"/>
                 </a:solidFill>
@@ -13633,7 +15554,7 @@
               <a:t>lato sensu</a:t>
             </a:r>
             <a:r>
-              <a:rPr lang="pt-BR" sz="1600">
+              <a:rPr lang="pt-BR" sz="1600" dirty="0">
                 <a:solidFill>
                   <a:schemeClr val="bg1"/>
                 </a:solidFill>
@@ -13647,7 +15568,7 @@
               <a:buChar char="•"/>
             </a:pPr>
             <a:r>
-              <a:rPr lang="pt-BR" sz="1600">
+              <a:rPr lang="pt-BR" sz="1600" dirty="0">
                 <a:solidFill>
                   <a:schemeClr val="bg1"/>
                 </a:solidFill>
@@ -13661,7 +15582,7 @@
               <a:buChar char="•"/>
             </a:pPr>
             <a:r>
-              <a:rPr lang="pt-BR" sz="1600" b="1">
+              <a:rPr lang="pt-BR" sz="1600" b="1" dirty="0">
                 <a:solidFill>
                   <a:schemeClr val="bg1"/>
                 </a:solidFill>
@@ -13669,7 +15590,7 @@
               <a:t>Disciplinas</a:t>
             </a:r>
             <a:r>
-              <a:rPr lang="pt-BR" sz="1600">
+              <a:rPr lang="pt-BR" sz="1600" dirty="0">
                 <a:solidFill>
                   <a:schemeClr val="bg1"/>
                 </a:solidFill>
@@ -13686,7 +15607,7 @@
               <a:buChar char="•"/>
             </a:pPr>
             <a:r>
-              <a:rPr lang="pt-BR" sz="2000">
+              <a:rPr lang="pt-BR" sz="2000" dirty="0">
                 <a:solidFill>
                   <a:schemeClr val="bg1"/>
                 </a:solidFill>
@@ -13700,7 +15621,7 @@
               <a:buChar char="•"/>
             </a:pPr>
             <a:r>
-              <a:rPr lang="pt-BR" sz="1600">
+              <a:rPr lang="pt-BR" sz="1600" dirty="0">
                 <a:solidFill>
                   <a:schemeClr val="bg1"/>
                 </a:solidFill>
@@ -13708,7 +15629,7 @@
               <a:t>Título: Previsão de falências corporativas no Brasil: uma abordagem </a:t>
             </a:r>
             <a:r>
-              <a:rPr lang="pt-BR" sz="1600" err="1">
+              <a:rPr lang="pt-BR" sz="1600" dirty="0" err="1">
                 <a:solidFill>
                   <a:schemeClr val="bg1"/>
                 </a:solidFill>
@@ -13716,7 +15637,7 @@
               <a:t>multiperíodo</a:t>
             </a:r>
             <a:r>
-              <a:rPr lang="pt-BR" sz="1600">
+              <a:rPr lang="pt-BR" sz="1600" dirty="0">
                 <a:solidFill>
                   <a:schemeClr val="bg1"/>
                 </a:solidFill>
@@ -14522,7 +16443,7 @@
 </p:sld>
 </file>
 
-<file path=ppt/slides/slide7.xml><?xml version="1.0" encoding="utf-8"?>
+<file path=ppt/slides/slide9.xml><?xml version="1.0" encoding="utf-8"?>
 <p:sld xmlns:a="http://schemas.openxmlformats.org/drawingml/2006/main" xmlns:r="http://schemas.openxmlformats.org/officeDocument/2006/relationships" xmlns:p="http://schemas.openxmlformats.org/presentationml/2006/main">
   <p:cSld>
     <p:bg>
@@ -15799,986 +17720,6 @@
       <p:bldP spid="8" grpId="0"/>
     </p:bldLst>
   </p:timing>
-</p:sld>
-</file>
-
-<file path=ppt/slides/slide8.xml><?xml version="1.0" encoding="utf-8"?>
-<p:sld xmlns:a="http://schemas.openxmlformats.org/drawingml/2006/main" xmlns:r="http://schemas.openxmlformats.org/officeDocument/2006/relationships" xmlns:p="http://schemas.openxmlformats.org/presentationml/2006/main">
-  <p:cSld>
-    <p:bg>
-      <p:bgPr>
-        <a:gradFill>
-          <a:gsLst>
-            <a:gs pos="0">
-              <a:srgbClr val="003CB4"/>
-            </a:gs>
-            <a:gs pos="92000">
-              <a:srgbClr val="00297A"/>
-            </a:gs>
-          </a:gsLst>
-          <a:lin ang="0" scaled="0"/>
-        </a:gradFill>
-        <a:effectLst/>
-      </p:bgPr>
-    </p:bg>
-    <p:spTree>
-      <p:nvGrpSpPr>
-        <p:cNvPr id="1" name="">
-          <a:extLst>
-            <a:ext uri="{FF2B5EF4-FFF2-40B4-BE49-F238E27FC236}">
-              <a16:creationId xmlns:a16="http://schemas.microsoft.com/office/drawing/2014/main" id="{DE653E18-F215-9AE6-FC3F-C905B3CF1493}"/>
-            </a:ext>
-          </a:extLst>
-        </p:cNvPr>
-        <p:cNvGrpSpPr/>
-        <p:nvPr/>
-      </p:nvGrpSpPr>
-      <p:grpSpPr>
-        <a:xfrm>
-          <a:off x="0" y="0"/>
-          <a:ext cx="0" cy="0"/>
-          <a:chOff x="0" y="0"/>
-          <a:chExt cx="0" cy="0"/>
-        </a:xfrm>
-      </p:grpSpPr>
-      <p:sp>
-        <p:nvSpPr>
-          <p:cNvPr id="2" name="CaixaDeTexto 1">
-            <a:extLst>
-              <a:ext uri="{FF2B5EF4-FFF2-40B4-BE49-F238E27FC236}">
-                <a16:creationId xmlns:a16="http://schemas.microsoft.com/office/drawing/2014/main" id="{5EFB281E-C9C0-9931-7168-FD06C86F8F32}"/>
-              </a:ext>
-            </a:extLst>
-          </p:cNvPr>
-          <p:cNvSpPr txBox="1"/>
-          <p:nvPr/>
-        </p:nvSpPr>
-        <p:spPr>
-          <a:xfrm>
-            <a:off x="424543" y="225333"/>
-            <a:ext cx="7311281" cy="477054"/>
-          </a:xfrm>
-          <a:prstGeom prst="rect">
-            <a:avLst/>
-          </a:prstGeom>
-          <a:noFill/>
-        </p:spPr>
-        <p:txBody>
-          <a:bodyPr wrap="square" rtlCol="0">
-            <a:spAutoFit/>
-          </a:bodyPr>
-          <a:lstStyle/>
-          <a:p>
-            <a:r>
-              <a:rPr lang="pt-BR" sz="2500" b="1">
-                <a:solidFill>
-                  <a:schemeClr val="bg1"/>
-                </a:solidFill>
-                <a:latin typeface="Century Gothic" panose="020B0502020202020204" pitchFamily="34" charset="0"/>
-              </a:rPr>
-              <a:t>Experiências no mercado de trabalho</a:t>
-            </a:r>
-          </a:p>
-        </p:txBody>
-      </p:sp>
-      <p:cxnSp>
-        <p:nvCxnSpPr>
-          <p:cNvPr id="3" name="Conector Reto 77">
-            <a:extLst>
-              <a:ext uri="{FF2B5EF4-FFF2-40B4-BE49-F238E27FC236}">
-                <a16:creationId xmlns:a16="http://schemas.microsoft.com/office/drawing/2014/main" id="{A5EB487F-A331-C4BB-3979-C6BDC5B8DF62}"/>
-              </a:ext>
-            </a:extLst>
-          </p:cNvPr>
-          <p:cNvCxnSpPr>
-            <a:cxnSpLocks/>
-          </p:cNvCxnSpPr>
-          <p:nvPr/>
-        </p:nvCxnSpPr>
-        <p:spPr>
-          <a:xfrm>
-            <a:off x="499972" y="656220"/>
-            <a:ext cx="5946548" cy="0"/>
-          </a:xfrm>
-          <a:prstGeom prst="line">
-            <a:avLst/>
-          </a:prstGeom>
-          <a:ln w="6350">
-            <a:solidFill>
-              <a:schemeClr val="bg1"/>
-            </a:solidFill>
-          </a:ln>
-        </p:spPr>
-        <p:style>
-          <a:lnRef idx="2">
-            <a:schemeClr val="accent1"/>
-          </a:lnRef>
-          <a:fillRef idx="0">
-            <a:schemeClr val="accent1"/>
-          </a:fillRef>
-          <a:effectRef idx="1">
-            <a:schemeClr val="accent1"/>
-          </a:effectRef>
-          <a:fontRef idx="minor">
-            <a:schemeClr val="tx1"/>
-          </a:fontRef>
-        </p:style>
-      </p:cxnSp>
-      <p:sp>
-        <p:nvSpPr>
-          <p:cNvPr id="5" name="CaixaDeTexto 4">
-            <a:extLst>
-              <a:ext uri="{FF2B5EF4-FFF2-40B4-BE49-F238E27FC236}">
-                <a16:creationId xmlns:a16="http://schemas.microsoft.com/office/drawing/2014/main" id="{C3420B97-229A-B6FE-74BE-88DFF061E4F7}"/>
-              </a:ext>
-            </a:extLst>
-          </p:cNvPr>
-          <p:cNvSpPr txBox="1"/>
-          <p:nvPr/>
-        </p:nvSpPr>
-        <p:spPr>
-          <a:xfrm>
-            <a:off x="499972" y="1042416"/>
-            <a:ext cx="10856876" cy="4785926"/>
-          </a:xfrm>
-          <a:prstGeom prst="rect">
-            <a:avLst/>
-          </a:prstGeom>
-          <a:noFill/>
-        </p:spPr>
-        <p:txBody>
-          <a:bodyPr wrap="square" lIns="91440" tIns="45720" rIns="91440" bIns="45720" rtlCol="0" anchor="t">
-            <a:spAutoFit/>
-          </a:bodyPr>
-          <a:lstStyle/>
-          <a:p>
-            <a:pPr algn="just">
-              <a:spcAft>
-                <a:spcPts val="600"/>
-              </a:spcAft>
-            </a:pPr>
-            <a:r>
-              <a:rPr lang="pt-BR" sz="2000" b="1">
-                <a:solidFill>
-                  <a:schemeClr val="bg1"/>
-                </a:solidFill>
-              </a:rPr>
-              <a:t>Pernambucanas Financeira SA </a:t>
-            </a:r>
-            <a:r>
-              <a:rPr lang="pt-BR" sz="2000">
-                <a:solidFill>
-                  <a:schemeClr val="bg1"/>
-                </a:solidFill>
-              </a:rPr>
-              <a:t>(Mai/2024 – atual)</a:t>
-            </a:r>
-          </a:p>
-          <a:p>
-            <a:pPr marL="285750" indent="-285750" algn="just">
-              <a:spcAft>
-                <a:spcPts val="600"/>
-              </a:spcAft>
-              <a:buFont typeface="Arial" panose="020B0604020202020204" pitchFamily="34" charset="0"/>
-              <a:buChar char="•"/>
-            </a:pPr>
-            <a:r>
-              <a:rPr lang="pt-BR" sz="1600">
-                <a:solidFill>
-                  <a:schemeClr val="bg1"/>
-                </a:solidFill>
-              </a:rPr>
-              <a:t>Analista de Modelagem Estatística</a:t>
-            </a:r>
-          </a:p>
-          <a:p>
-            <a:pPr marL="285750" indent="-285750" algn="just">
-              <a:spcAft>
-                <a:spcPts val="600"/>
-              </a:spcAft>
-              <a:buFont typeface="Arial" panose="020B0604020202020204" pitchFamily="34" charset="0"/>
-              <a:buChar char="•"/>
-            </a:pPr>
-            <a:r>
-              <a:rPr lang="pt-BR" sz="1600">
-                <a:solidFill>
-                  <a:schemeClr val="bg1"/>
-                </a:solidFill>
-              </a:rPr>
-              <a:t>Desenvolvimento de soluções de aprendizagem estatística para aplicações estratégicas no mercado de crédito, como</a:t>
-            </a:r>
-          </a:p>
-          <a:p>
-            <a:pPr marL="742950" lvl="1" indent="-285750" algn="just">
-              <a:spcAft>
-                <a:spcPts val="600"/>
-              </a:spcAft>
-              <a:buFont typeface="Arial" panose="020B0604020202020204" pitchFamily="34" charset="0"/>
-              <a:buChar char="•"/>
-            </a:pPr>
-            <a:r>
-              <a:rPr lang="pt-BR" sz="1600">
-                <a:solidFill>
-                  <a:schemeClr val="bg1"/>
-                </a:solidFill>
-              </a:rPr>
-              <a:t>Prevenção à fraude</a:t>
-            </a:r>
-          </a:p>
-          <a:p>
-            <a:pPr marL="742950" lvl="1" indent="-285750" algn="just">
-              <a:spcAft>
-                <a:spcPts val="600"/>
-              </a:spcAft>
-              <a:buFont typeface="Arial" panose="020B0604020202020204" pitchFamily="34" charset="0"/>
-              <a:buChar char="•"/>
-            </a:pPr>
-            <a:r>
-              <a:rPr lang="pt-BR" sz="1600">
-                <a:solidFill>
-                  <a:schemeClr val="bg1"/>
-                </a:solidFill>
-              </a:rPr>
-              <a:t>Oferta de crédito</a:t>
-            </a:r>
-          </a:p>
-          <a:p>
-            <a:pPr marL="742950" lvl="1" indent="-285750" algn="just">
-              <a:spcAft>
-                <a:spcPts val="600"/>
-              </a:spcAft>
-              <a:buFont typeface="Arial" panose="020B0604020202020204" pitchFamily="34" charset="0"/>
-              <a:buChar char="•"/>
-            </a:pPr>
-            <a:endParaRPr lang="pt-BR" sz="1000">
-              <a:solidFill>
-                <a:schemeClr val="bg1"/>
-              </a:solidFill>
-            </a:endParaRPr>
-          </a:p>
-          <a:p>
-            <a:pPr algn="just">
-              <a:spcAft>
-                <a:spcPts val="600"/>
-              </a:spcAft>
-            </a:pPr>
-            <a:r>
-              <a:rPr lang="pt-BR" sz="2000" b="1">
-                <a:solidFill>
-                  <a:schemeClr val="bg1"/>
-                </a:solidFill>
-              </a:rPr>
-              <a:t>Insper Instituição de Ensino (</a:t>
-            </a:r>
-            <a:r>
-              <a:rPr lang="pt-BR" sz="2000">
-                <a:solidFill>
-                  <a:schemeClr val="bg1"/>
-                </a:solidFill>
-              </a:rPr>
-              <a:t>Mar/2021 – atual)</a:t>
-            </a:r>
-          </a:p>
-          <a:p>
-            <a:pPr marL="285750" indent="-285750" algn="just">
-              <a:spcAft>
-                <a:spcPts val="600"/>
-              </a:spcAft>
-              <a:buFont typeface="Arial" panose="020B0604020202020204" pitchFamily="34" charset="0"/>
-              <a:buChar char="•"/>
-            </a:pPr>
-            <a:r>
-              <a:rPr lang="pt-BR" sz="1600">
-                <a:solidFill>
-                  <a:schemeClr val="bg1"/>
-                </a:solidFill>
-              </a:rPr>
-              <a:t>Professor de Pós-Graduação </a:t>
-            </a:r>
-            <a:r>
-              <a:rPr lang="pt-BR" sz="1600" i="1">
-                <a:solidFill>
-                  <a:schemeClr val="bg1"/>
-                </a:solidFill>
-              </a:rPr>
-              <a:t>lato sensu: </a:t>
-            </a:r>
-            <a:r>
-              <a:rPr lang="pt-BR" sz="1600">
-                <a:solidFill>
-                  <a:schemeClr val="bg1"/>
-                </a:solidFill>
-              </a:rPr>
-              <a:t>Programa Avançado de Data Science e Decisão </a:t>
-            </a:r>
-          </a:p>
-          <a:p>
-            <a:pPr marL="285750" indent="-285750" algn="just">
-              <a:spcAft>
-                <a:spcPts val="600"/>
-              </a:spcAft>
-              <a:buFont typeface="Arial" panose="020B0604020202020204" pitchFamily="34" charset="0"/>
-              <a:buChar char="•"/>
-            </a:pPr>
-            <a:r>
-              <a:rPr lang="pt-BR" sz="1600" b="1">
-                <a:solidFill>
-                  <a:schemeClr val="bg1"/>
-                </a:solidFill>
-              </a:rPr>
-              <a:t>Disciplinas</a:t>
-            </a:r>
-            <a:r>
-              <a:rPr lang="pt-BR" sz="1600">
-                <a:solidFill>
-                  <a:schemeClr val="bg1"/>
-                </a:solidFill>
-              </a:rPr>
-              <a:t>: Aprendizado Estatístico Supervisionado; Aprendizado Estatístico Não-Supervisionado; Visualização de Dados; Transformando Negócios com Dados</a:t>
-            </a:r>
-          </a:p>
-          <a:p>
-            <a:pPr algn="just">
-              <a:spcAft>
-                <a:spcPts val="600"/>
-              </a:spcAft>
-            </a:pPr>
-            <a:endParaRPr lang="pt-BR" sz="1000">
-              <a:solidFill>
-                <a:schemeClr val="bg1"/>
-              </a:solidFill>
-            </a:endParaRPr>
-          </a:p>
-          <a:p>
-            <a:pPr algn="just">
-              <a:spcAft>
-                <a:spcPts val="600"/>
-              </a:spcAft>
-            </a:pPr>
-            <a:r>
-              <a:rPr lang="pt-BR" sz="2000" b="1">
-                <a:solidFill>
-                  <a:schemeClr val="bg1"/>
-                </a:solidFill>
-              </a:rPr>
-              <a:t>Banco BTG Pactual </a:t>
-            </a:r>
-            <a:r>
-              <a:rPr lang="pt-BR" sz="2000">
-                <a:solidFill>
-                  <a:schemeClr val="bg1"/>
-                </a:solidFill>
-              </a:rPr>
-              <a:t>(</a:t>
-            </a:r>
-            <a:r>
-              <a:rPr lang="pt-BR" sz="2000" err="1">
-                <a:solidFill>
-                  <a:schemeClr val="bg1"/>
-                </a:solidFill>
-              </a:rPr>
-              <a:t>Jun</a:t>
-            </a:r>
-            <a:r>
-              <a:rPr lang="pt-BR" sz="2000">
-                <a:solidFill>
-                  <a:schemeClr val="bg1"/>
-                </a:solidFill>
-              </a:rPr>
-              <a:t>/2022 – Mar/2024)</a:t>
-            </a:r>
-          </a:p>
-          <a:p>
-            <a:pPr marL="285750" indent="-285750" algn="just">
-              <a:spcAft>
-                <a:spcPts val="600"/>
-              </a:spcAft>
-              <a:buFont typeface="Arial" panose="020B0604020202020204" pitchFamily="34" charset="0"/>
-              <a:buChar char="•"/>
-            </a:pPr>
-            <a:r>
-              <a:rPr lang="pt-BR" sz="1600">
-                <a:solidFill>
-                  <a:schemeClr val="bg1"/>
-                </a:solidFill>
-              </a:rPr>
-              <a:t>Especialista de Tecnologia da Informação</a:t>
-            </a:r>
-          </a:p>
-          <a:p>
-            <a:pPr marL="285750" indent="-285750" algn="just">
-              <a:spcAft>
-                <a:spcPts val="600"/>
-              </a:spcAft>
-              <a:buFont typeface="Arial" panose="020B0604020202020204" pitchFamily="34" charset="0"/>
-              <a:buChar char="•"/>
-            </a:pPr>
-            <a:r>
-              <a:rPr lang="pt-BR" sz="1600">
-                <a:solidFill>
-                  <a:schemeClr val="bg1"/>
-                </a:solidFill>
-              </a:rPr>
-              <a:t>Implementação de modelos de precificação de derivativos para gestão do portfólio de fundos de investimentos </a:t>
-            </a:r>
-          </a:p>
-          <a:p>
-            <a:pPr marL="285750" indent="-285750" algn="just">
-              <a:spcAft>
-                <a:spcPts val="600"/>
-              </a:spcAft>
-              <a:buFont typeface="Arial" panose="020B0604020202020204" pitchFamily="34" charset="0"/>
-              <a:buChar char="•"/>
-            </a:pPr>
-            <a:r>
-              <a:rPr lang="pt-BR" sz="1600">
-                <a:solidFill>
-                  <a:schemeClr val="bg1"/>
-                </a:solidFill>
-              </a:rPr>
-              <a:t>Desenvolvimento de produtos utilizando inteligência artificial generativa (</a:t>
-            </a:r>
-            <a:r>
-              <a:rPr lang="pt-BR" sz="1600" i="1" err="1">
-                <a:solidFill>
-                  <a:schemeClr val="bg1"/>
-                </a:solidFill>
-              </a:rPr>
-              <a:t>large</a:t>
-            </a:r>
-            <a:r>
-              <a:rPr lang="pt-BR" sz="1600" i="1">
-                <a:solidFill>
-                  <a:schemeClr val="bg1"/>
-                </a:solidFill>
-              </a:rPr>
-              <a:t> </a:t>
-            </a:r>
-            <a:r>
-              <a:rPr lang="pt-BR" sz="1600" i="1" err="1">
-                <a:solidFill>
-                  <a:schemeClr val="bg1"/>
-                </a:solidFill>
-              </a:rPr>
-              <a:t>language</a:t>
-            </a:r>
-            <a:r>
-              <a:rPr lang="pt-BR" sz="1600" i="1">
-                <a:solidFill>
-                  <a:schemeClr val="bg1"/>
-                </a:solidFill>
-              </a:rPr>
-              <a:t> models</a:t>
-            </a:r>
-            <a:r>
-              <a:rPr lang="pt-BR" sz="1600">
-                <a:solidFill>
-                  <a:schemeClr val="bg1"/>
-                </a:solidFill>
-              </a:rPr>
-              <a:t>, LLM)</a:t>
-            </a:r>
-          </a:p>
-        </p:txBody>
-      </p:sp>
-    </p:spTree>
-    <p:extLst>
-      <p:ext uri="{BB962C8B-B14F-4D97-AF65-F5344CB8AC3E}">
-        <p14:creationId xmlns:p14="http://schemas.microsoft.com/office/powerpoint/2010/main" val="603448917"/>
-      </p:ext>
-    </p:extLst>
-  </p:cSld>
-  <p:clrMapOvr>
-    <a:masterClrMapping/>
-  </p:clrMapOvr>
-  <p:transition spd="slow">
-    <p:push dir="u"/>
-  </p:transition>
-</p:sld>
-</file>
-
-<file path=ppt/slides/slide9.xml><?xml version="1.0" encoding="utf-8"?>
-<p:sld xmlns:a="http://schemas.openxmlformats.org/drawingml/2006/main" xmlns:r="http://schemas.openxmlformats.org/officeDocument/2006/relationships" xmlns:p="http://schemas.openxmlformats.org/presentationml/2006/main">
-  <p:cSld>
-    <p:bg>
-      <p:bgPr>
-        <a:gradFill>
-          <a:gsLst>
-            <a:gs pos="0">
-              <a:srgbClr val="003CB4"/>
-            </a:gs>
-            <a:gs pos="92000">
-              <a:srgbClr val="00297A"/>
-            </a:gs>
-          </a:gsLst>
-          <a:lin ang="0" scaled="0"/>
-        </a:gradFill>
-        <a:effectLst/>
-      </p:bgPr>
-    </p:bg>
-    <p:spTree>
-      <p:nvGrpSpPr>
-        <p:cNvPr id="1" name="">
-          <a:extLst>
-            <a:ext uri="{FF2B5EF4-FFF2-40B4-BE49-F238E27FC236}">
-              <a16:creationId xmlns:a16="http://schemas.microsoft.com/office/drawing/2014/main" id="{2576322E-08FF-E5CA-D2A0-2FD1D899D726}"/>
-            </a:ext>
-          </a:extLst>
-        </p:cNvPr>
-        <p:cNvGrpSpPr/>
-        <p:nvPr/>
-      </p:nvGrpSpPr>
-      <p:grpSpPr>
-        <a:xfrm>
-          <a:off x="0" y="0"/>
-          <a:ext cx="0" cy="0"/>
-          <a:chOff x="0" y="0"/>
-          <a:chExt cx="0" cy="0"/>
-        </a:xfrm>
-      </p:grpSpPr>
-      <p:sp>
-        <p:nvSpPr>
-          <p:cNvPr id="5" name="CaixaDeTexto 4">
-            <a:extLst>
-              <a:ext uri="{FF2B5EF4-FFF2-40B4-BE49-F238E27FC236}">
-                <a16:creationId xmlns:a16="http://schemas.microsoft.com/office/drawing/2014/main" id="{94D5142E-2C68-A234-8D18-F4193F7FD00C}"/>
-              </a:ext>
-            </a:extLst>
-          </p:cNvPr>
-          <p:cNvSpPr txBox="1"/>
-          <p:nvPr/>
-        </p:nvSpPr>
-        <p:spPr>
-          <a:xfrm>
-            <a:off x="499972" y="1271016"/>
-            <a:ext cx="10856876" cy="5816977"/>
-          </a:xfrm>
-          <a:prstGeom prst="rect">
-            <a:avLst/>
-          </a:prstGeom>
-          <a:noFill/>
-        </p:spPr>
-        <p:txBody>
-          <a:bodyPr wrap="square" rtlCol="0">
-            <a:spAutoFit/>
-          </a:bodyPr>
-          <a:lstStyle/>
-          <a:p>
-            <a:pPr>
-              <a:spcAft>
-                <a:spcPts val="1200"/>
-              </a:spcAft>
-            </a:pPr>
-            <a:r>
-              <a:rPr lang="pt-BR" b="1">
-                <a:solidFill>
-                  <a:schemeClr val="bg1"/>
-                </a:solidFill>
-              </a:rPr>
-              <a:t>Representação discente</a:t>
-            </a:r>
-          </a:p>
-          <a:p>
-            <a:pPr marL="285750" indent="-285750">
-              <a:spcAft>
-                <a:spcPts val="1200"/>
-              </a:spcAft>
-              <a:buFont typeface="Arial" panose="020B0604020202020204" pitchFamily="34" charset="0"/>
-              <a:buChar char="•"/>
-            </a:pPr>
-            <a:r>
-              <a:rPr lang="pt-BR">
-                <a:solidFill>
-                  <a:schemeClr val="bg1"/>
-                </a:solidFill>
-              </a:rPr>
-              <a:t>Vice-presidente do Centro Acadêmico de Matemática Computacional, UFMG (2015)</a:t>
-            </a:r>
-          </a:p>
-          <a:p>
-            <a:pPr marL="285750" indent="-285750">
-              <a:spcAft>
-                <a:spcPts val="1200"/>
-              </a:spcAft>
-              <a:buFont typeface="Arial" panose="020B0604020202020204" pitchFamily="34" charset="0"/>
-              <a:buChar char="•"/>
-            </a:pPr>
-            <a:r>
-              <a:rPr lang="pt-BR">
-                <a:solidFill>
-                  <a:schemeClr val="bg1"/>
-                </a:solidFill>
-              </a:rPr>
-              <a:t>Colegiado de Pós-Graduação em Estatística, UFMG (2017)</a:t>
-            </a:r>
-          </a:p>
-          <a:p>
-            <a:pPr marL="285750" indent="-285750">
-              <a:spcAft>
-                <a:spcPts val="1200"/>
-              </a:spcAft>
-              <a:buFont typeface="Arial" panose="020B0604020202020204" pitchFamily="34" charset="0"/>
-              <a:buChar char="•"/>
-            </a:pPr>
-            <a:r>
-              <a:rPr lang="pt-BR">
-                <a:solidFill>
-                  <a:schemeClr val="bg1"/>
-                </a:solidFill>
-              </a:rPr>
-              <a:t>Comissão Coordenadora do Programa de Pós-Graduação em Estatística, IME-USP (2019)</a:t>
-            </a:r>
-          </a:p>
-          <a:p>
-            <a:pPr marL="285750" indent="-285750">
-              <a:spcAft>
-                <a:spcPts val="1200"/>
-              </a:spcAft>
-              <a:buFont typeface="Arial" panose="020B0604020202020204" pitchFamily="34" charset="0"/>
-              <a:buChar char="•"/>
-            </a:pPr>
-            <a:r>
-              <a:rPr lang="pt-BR">
-                <a:solidFill>
-                  <a:schemeClr val="bg1"/>
-                </a:solidFill>
-              </a:rPr>
-              <a:t>Conselho do Departamento de Estatística, IME-USP (2020)</a:t>
-            </a:r>
-          </a:p>
-          <a:p>
-            <a:pPr marL="285750" indent="-285750">
-              <a:spcAft>
-                <a:spcPts val="1200"/>
-              </a:spcAft>
-              <a:buFont typeface="Arial" panose="020B0604020202020204" pitchFamily="34" charset="0"/>
-              <a:buChar char="•"/>
-            </a:pPr>
-            <a:endParaRPr lang="pt-BR">
-              <a:solidFill>
-                <a:schemeClr val="bg1"/>
-              </a:solidFill>
-            </a:endParaRPr>
-          </a:p>
-          <a:p>
-            <a:pPr>
-              <a:spcAft>
-                <a:spcPts val="1200"/>
-              </a:spcAft>
-            </a:pPr>
-            <a:r>
-              <a:rPr lang="pt-BR" b="1">
-                <a:solidFill>
-                  <a:schemeClr val="bg1"/>
-                </a:solidFill>
-              </a:rPr>
-              <a:t>Trabalho voluntário</a:t>
-            </a:r>
-          </a:p>
-          <a:p>
-            <a:pPr marL="285750" indent="-285750">
-              <a:spcAft>
-                <a:spcPts val="1200"/>
-              </a:spcAft>
-              <a:buFont typeface="Arial" panose="020B0604020202020204" pitchFamily="34" charset="0"/>
-              <a:buChar char="•"/>
-            </a:pPr>
-            <a:r>
-              <a:rPr lang="pt-BR">
-                <a:solidFill>
-                  <a:schemeClr val="bg1"/>
-                </a:solidFill>
-              </a:rPr>
-              <a:t>Comissão de Recepção da Pós-Graduação, USP (2018-2020). Página: “</a:t>
-            </a:r>
-            <a:r>
-              <a:rPr lang="pt-BR" b="1">
-                <a:solidFill>
-                  <a:schemeClr val="bg1"/>
-                </a:solidFill>
-              </a:rPr>
-              <a:t>Como estou sobrevivendo ao IME USP?”</a:t>
-            </a:r>
-          </a:p>
-          <a:p>
-            <a:pPr marL="285750" indent="-285750">
-              <a:spcAft>
-                <a:spcPts val="1200"/>
-              </a:spcAft>
-              <a:buFont typeface="Arial" panose="020B0604020202020204" pitchFamily="34" charset="0"/>
-              <a:buChar char="•"/>
-            </a:pPr>
-            <a:r>
-              <a:rPr lang="pt-BR">
-                <a:solidFill>
-                  <a:schemeClr val="bg1"/>
-                </a:solidFill>
-              </a:rPr>
-              <a:t>Cursinho Preparatório Amorim Lima para o Ensino Médio Técnico (2019)</a:t>
-            </a:r>
-          </a:p>
-          <a:p>
-            <a:pPr marL="285750" indent="-285750">
-              <a:spcAft>
-                <a:spcPts val="1200"/>
-              </a:spcAft>
-              <a:buFont typeface="Arial" panose="020B0604020202020204" pitchFamily="34" charset="0"/>
-              <a:buChar char="•"/>
-            </a:pPr>
-            <a:r>
-              <a:rPr lang="pt-BR">
-                <a:solidFill>
-                  <a:schemeClr val="bg1"/>
-                </a:solidFill>
-              </a:rPr>
-              <a:t>Tradução do livro R for </a:t>
-            </a:r>
-            <a:r>
-              <a:rPr lang="pt-BR" i="1">
-                <a:solidFill>
-                  <a:schemeClr val="bg1"/>
-                </a:solidFill>
-              </a:rPr>
-              <a:t>Data Science </a:t>
-            </a:r>
-            <a:r>
-              <a:rPr lang="pt-BR">
-                <a:solidFill>
-                  <a:schemeClr val="bg1"/>
-                </a:solidFill>
-              </a:rPr>
-              <a:t>de Hadley Wickham para português brasileiro (revisor).</a:t>
-            </a:r>
-          </a:p>
-          <a:p>
-            <a:pPr marL="285750" indent="-285750">
-              <a:spcAft>
-                <a:spcPts val="1200"/>
-              </a:spcAft>
-              <a:buFont typeface="Arial" panose="020B0604020202020204" pitchFamily="34" charset="0"/>
-              <a:buChar char="•"/>
-            </a:pPr>
-            <a:endParaRPr lang="pt-BR">
-              <a:solidFill>
-                <a:schemeClr val="bg1"/>
-              </a:solidFill>
-            </a:endParaRPr>
-          </a:p>
-          <a:p>
-            <a:pPr>
-              <a:spcAft>
-                <a:spcPts val="1200"/>
-              </a:spcAft>
-            </a:pPr>
-            <a:endParaRPr lang="pt-BR">
-              <a:solidFill>
-                <a:schemeClr val="bg1"/>
-              </a:solidFill>
-            </a:endParaRPr>
-          </a:p>
-          <a:p>
-            <a:pPr>
-              <a:spcAft>
-                <a:spcPts val="1200"/>
-              </a:spcAft>
-            </a:pPr>
-            <a:endParaRPr lang="pt-BR" b="1">
-              <a:solidFill>
-                <a:schemeClr val="bg1"/>
-              </a:solidFill>
-            </a:endParaRPr>
-          </a:p>
-        </p:txBody>
-      </p:sp>
-      <p:sp>
-        <p:nvSpPr>
-          <p:cNvPr id="6" name="CaixaDeTexto 5">
-            <a:extLst>
-              <a:ext uri="{FF2B5EF4-FFF2-40B4-BE49-F238E27FC236}">
-                <a16:creationId xmlns:a16="http://schemas.microsoft.com/office/drawing/2014/main" id="{56CED568-D1D4-4B18-60E0-E1C0676E26AC}"/>
-              </a:ext>
-            </a:extLst>
-          </p:cNvPr>
-          <p:cNvSpPr txBox="1"/>
-          <p:nvPr/>
-        </p:nvSpPr>
-        <p:spPr>
-          <a:xfrm>
-            <a:off x="424543" y="584838"/>
-            <a:ext cx="7311281" cy="477054"/>
-          </a:xfrm>
-          <a:prstGeom prst="rect">
-            <a:avLst/>
-          </a:prstGeom>
-          <a:noFill/>
-        </p:spPr>
-        <p:txBody>
-          <a:bodyPr wrap="square" rtlCol="0">
-            <a:spAutoFit/>
-          </a:bodyPr>
-          <a:lstStyle/>
-          <a:p>
-            <a:r>
-              <a:rPr lang="pt-BR" sz="2500" b="1">
-                <a:solidFill>
-                  <a:schemeClr val="bg1"/>
-                </a:solidFill>
-                <a:latin typeface="Century Gothic" panose="020B0502020202020204" pitchFamily="34" charset="0"/>
-              </a:rPr>
-              <a:t>Outras atividades</a:t>
-            </a:r>
-          </a:p>
-        </p:txBody>
-      </p:sp>
-      <p:cxnSp>
-        <p:nvCxnSpPr>
-          <p:cNvPr id="8" name="Conector Reto 77">
-            <a:extLst>
-              <a:ext uri="{FF2B5EF4-FFF2-40B4-BE49-F238E27FC236}">
-                <a16:creationId xmlns:a16="http://schemas.microsoft.com/office/drawing/2014/main" id="{14F386BD-6058-F81F-044E-A5669525CD01}"/>
-              </a:ext>
-            </a:extLst>
-          </p:cNvPr>
-          <p:cNvCxnSpPr>
-            <a:cxnSpLocks/>
-          </p:cNvCxnSpPr>
-          <p:nvPr/>
-        </p:nvCxnSpPr>
-        <p:spPr>
-          <a:xfrm>
-            <a:off x="499972" y="1015725"/>
-            <a:ext cx="5946548" cy="0"/>
-          </a:xfrm>
-          <a:prstGeom prst="line">
-            <a:avLst/>
-          </a:prstGeom>
-          <a:ln w="6350">
-            <a:solidFill>
-              <a:schemeClr val="bg1"/>
-            </a:solidFill>
-          </a:ln>
-        </p:spPr>
-        <p:style>
-          <a:lnRef idx="2">
-            <a:schemeClr val="accent1"/>
-          </a:lnRef>
-          <a:fillRef idx="0">
-            <a:schemeClr val="accent1"/>
-          </a:fillRef>
-          <a:effectRef idx="1">
-            <a:schemeClr val="accent1"/>
-          </a:effectRef>
-          <a:fontRef idx="minor">
-            <a:schemeClr val="tx1"/>
-          </a:fontRef>
-        </p:style>
-      </p:cxnSp>
-      <p:sp>
-        <p:nvSpPr>
-          <p:cNvPr id="4" name="CaixaDeTexto 3">
-            <a:extLst>
-              <a:ext uri="{FF2B5EF4-FFF2-40B4-BE49-F238E27FC236}">
-                <a16:creationId xmlns:a16="http://schemas.microsoft.com/office/drawing/2014/main" id="{08F813EE-3051-BDED-A0F7-1DAEA550A8FC}"/>
-              </a:ext>
-            </a:extLst>
-          </p:cNvPr>
-          <p:cNvSpPr txBox="1"/>
-          <p:nvPr/>
-        </p:nvSpPr>
-        <p:spPr>
-          <a:xfrm>
-            <a:off x="499972" y="3410063"/>
-            <a:ext cx="10856876" cy="1785104"/>
-          </a:xfrm>
-          <a:prstGeom prst="rect">
-            <a:avLst/>
-          </a:prstGeom>
-          <a:noFill/>
-        </p:spPr>
-        <p:txBody>
-          <a:bodyPr wrap="square" rtlCol="0">
-            <a:spAutoFit/>
-          </a:bodyPr>
-          <a:lstStyle/>
-          <a:p>
-            <a:pPr>
-              <a:spcAft>
-                <a:spcPts val="600"/>
-              </a:spcAft>
-            </a:pPr>
-            <a:endParaRPr lang="pt-BR">
-              <a:solidFill>
-                <a:schemeClr val="bg1"/>
-              </a:solidFill>
-            </a:endParaRPr>
-          </a:p>
-          <a:p>
-            <a:pPr marL="285750" indent="-285750">
-              <a:spcAft>
-                <a:spcPts val="600"/>
-              </a:spcAft>
-              <a:buFont typeface="Arial" panose="020B0604020202020204" pitchFamily="34" charset="0"/>
-              <a:buChar char="•"/>
-            </a:pPr>
-            <a:endParaRPr lang="pt-BR">
-              <a:solidFill>
-                <a:schemeClr val="bg1"/>
-              </a:solidFill>
-            </a:endParaRPr>
-          </a:p>
-          <a:p>
-            <a:pPr marL="285750" indent="-285750">
-              <a:spcAft>
-                <a:spcPts val="600"/>
-              </a:spcAft>
-              <a:buFont typeface="Arial" panose="020B0604020202020204" pitchFamily="34" charset="0"/>
-              <a:buChar char="•"/>
-            </a:pPr>
-            <a:endParaRPr lang="pt-BR">
-              <a:solidFill>
-                <a:schemeClr val="bg1"/>
-              </a:solidFill>
-            </a:endParaRPr>
-          </a:p>
-          <a:p>
-            <a:pPr>
-              <a:spcAft>
-                <a:spcPts val="600"/>
-              </a:spcAft>
-            </a:pPr>
-            <a:endParaRPr lang="pt-BR">
-              <a:solidFill>
-                <a:schemeClr val="bg1"/>
-              </a:solidFill>
-            </a:endParaRPr>
-          </a:p>
-          <a:p>
-            <a:pPr>
-              <a:spcAft>
-                <a:spcPts val="600"/>
-              </a:spcAft>
-            </a:pPr>
-            <a:endParaRPr lang="pt-BR" b="1">
-              <a:solidFill>
-                <a:schemeClr val="bg1"/>
-              </a:solidFill>
-            </a:endParaRPr>
-          </a:p>
-        </p:txBody>
-      </p:sp>
-    </p:spTree>
-    <p:extLst>
-      <p:ext uri="{BB962C8B-B14F-4D97-AF65-F5344CB8AC3E}">
-        <p14:creationId xmlns:p14="http://schemas.microsoft.com/office/powerpoint/2010/main" val="1414647256"/>
-      </p:ext>
-    </p:extLst>
-  </p:cSld>
-  <p:clrMapOvr>
-    <a:masterClrMapping/>
-  </p:clrMapOvr>
-  <p:transition spd="slow">
-    <p:push dir="u"/>
-  </p:transition>
 </p:sld>
 </file>
 
